--- a/UiTestingWithCypress.pptx
+++ b/UiTestingWithCypress.pptx
@@ -10,35 +10,36 @@
     <p:sldId id="258" r:id="rId4"/>
     <p:sldId id="259" r:id="rId5"/>
     <p:sldId id="277" r:id="rId6"/>
-    <p:sldId id="265" r:id="rId7"/>
-    <p:sldId id="290" r:id="rId8"/>
-    <p:sldId id="266" r:id="rId9"/>
-    <p:sldId id="260" r:id="rId10"/>
-    <p:sldId id="278" r:id="rId11"/>
-    <p:sldId id="276" r:id="rId12"/>
-    <p:sldId id="275" r:id="rId13"/>
-    <p:sldId id="281" r:id="rId14"/>
-    <p:sldId id="279" r:id="rId15"/>
-    <p:sldId id="280" r:id="rId16"/>
-    <p:sldId id="262" r:id="rId17"/>
-    <p:sldId id="263" r:id="rId18"/>
-    <p:sldId id="267" r:id="rId19"/>
-    <p:sldId id="268" r:id="rId20"/>
-    <p:sldId id="273" r:id="rId21"/>
-    <p:sldId id="285" r:id="rId22"/>
-    <p:sldId id="282" r:id="rId23"/>
-    <p:sldId id="283" r:id="rId24"/>
-    <p:sldId id="284" r:id="rId25"/>
-    <p:sldId id="264" r:id="rId26"/>
-    <p:sldId id="269" r:id="rId27"/>
-    <p:sldId id="272" r:id="rId28"/>
-    <p:sldId id="270" r:id="rId29"/>
-    <p:sldId id="286" r:id="rId30"/>
-    <p:sldId id="271" r:id="rId31"/>
-    <p:sldId id="288" r:id="rId32"/>
-    <p:sldId id="289" r:id="rId33"/>
-    <p:sldId id="287" r:id="rId34"/>
-    <p:sldId id="261" r:id="rId35"/>
+    <p:sldId id="291" r:id="rId7"/>
+    <p:sldId id="292" r:id="rId8"/>
+    <p:sldId id="265" r:id="rId9"/>
+    <p:sldId id="290" r:id="rId10"/>
+    <p:sldId id="260" r:id="rId11"/>
+    <p:sldId id="278" r:id="rId12"/>
+    <p:sldId id="276" r:id="rId13"/>
+    <p:sldId id="275" r:id="rId14"/>
+    <p:sldId id="281" r:id="rId15"/>
+    <p:sldId id="279" r:id="rId16"/>
+    <p:sldId id="280" r:id="rId17"/>
+    <p:sldId id="262" r:id="rId18"/>
+    <p:sldId id="263" r:id="rId19"/>
+    <p:sldId id="267" r:id="rId20"/>
+    <p:sldId id="268" r:id="rId21"/>
+    <p:sldId id="273" r:id="rId22"/>
+    <p:sldId id="285" r:id="rId23"/>
+    <p:sldId id="282" r:id="rId24"/>
+    <p:sldId id="283" r:id="rId25"/>
+    <p:sldId id="284" r:id="rId26"/>
+    <p:sldId id="264" r:id="rId27"/>
+    <p:sldId id="269" r:id="rId28"/>
+    <p:sldId id="272" r:id="rId29"/>
+    <p:sldId id="270" r:id="rId30"/>
+    <p:sldId id="286" r:id="rId31"/>
+    <p:sldId id="271" r:id="rId32"/>
+    <p:sldId id="288" r:id="rId33"/>
+    <p:sldId id="289" r:id="rId34"/>
+    <p:sldId id="287" r:id="rId35"/>
+    <p:sldId id="261" r:id="rId36"/>
   </p:sldIdLst>
   <p:sldSz cx="12192000" cy="6858000"/>
   <p:notesSz cx="6858000" cy="9144000"/>
@@ -294,7 +295,7 @@
           <a:p>
             <a:fld id="{698E9D3A-8B8F-4628-B0C5-6AF8B94C72A3}" type="datetimeFigureOut">
               <a:rPr lang="en-NL" smtClean="0"/>
-              <a:t>27/10/2020</a:t>
+              <a:t>28/10/2020</a:t>
             </a:fld>
             <a:endParaRPr lang="en-NL"/>
           </a:p>
@@ -494,7 +495,7 @@
           <a:p>
             <a:fld id="{698E9D3A-8B8F-4628-B0C5-6AF8B94C72A3}" type="datetimeFigureOut">
               <a:rPr lang="en-NL" smtClean="0"/>
-              <a:t>27/10/2020</a:t>
+              <a:t>28/10/2020</a:t>
             </a:fld>
             <a:endParaRPr lang="en-NL"/>
           </a:p>
@@ -704,7 +705,7 @@
           <a:p>
             <a:fld id="{698E9D3A-8B8F-4628-B0C5-6AF8B94C72A3}" type="datetimeFigureOut">
               <a:rPr lang="en-NL" smtClean="0"/>
-              <a:t>27/10/2020</a:t>
+              <a:t>28/10/2020</a:t>
             </a:fld>
             <a:endParaRPr lang="en-NL"/>
           </a:p>
@@ -904,7 +905,7 @@
           <a:p>
             <a:fld id="{698E9D3A-8B8F-4628-B0C5-6AF8B94C72A3}" type="datetimeFigureOut">
               <a:rPr lang="en-NL" smtClean="0"/>
-              <a:t>27/10/2020</a:t>
+              <a:t>28/10/2020</a:t>
             </a:fld>
             <a:endParaRPr lang="en-NL"/>
           </a:p>
@@ -1180,7 +1181,7 @@
           <a:p>
             <a:fld id="{698E9D3A-8B8F-4628-B0C5-6AF8B94C72A3}" type="datetimeFigureOut">
               <a:rPr lang="en-NL" smtClean="0"/>
-              <a:t>27/10/2020</a:t>
+              <a:t>28/10/2020</a:t>
             </a:fld>
             <a:endParaRPr lang="en-NL"/>
           </a:p>
@@ -1448,7 +1449,7 @@
           <a:p>
             <a:fld id="{698E9D3A-8B8F-4628-B0C5-6AF8B94C72A3}" type="datetimeFigureOut">
               <a:rPr lang="en-NL" smtClean="0"/>
-              <a:t>27/10/2020</a:t>
+              <a:t>28/10/2020</a:t>
             </a:fld>
             <a:endParaRPr lang="en-NL"/>
           </a:p>
@@ -1863,7 +1864,7 @@
           <a:p>
             <a:fld id="{698E9D3A-8B8F-4628-B0C5-6AF8B94C72A3}" type="datetimeFigureOut">
               <a:rPr lang="en-NL" smtClean="0"/>
-              <a:t>27/10/2020</a:t>
+              <a:t>28/10/2020</a:t>
             </a:fld>
             <a:endParaRPr lang="en-NL"/>
           </a:p>
@@ -2005,7 +2006,7 @@
           <a:p>
             <a:fld id="{698E9D3A-8B8F-4628-B0C5-6AF8B94C72A3}" type="datetimeFigureOut">
               <a:rPr lang="en-NL" smtClean="0"/>
-              <a:t>27/10/2020</a:t>
+              <a:t>28/10/2020</a:t>
             </a:fld>
             <a:endParaRPr lang="en-NL"/>
           </a:p>
@@ -2118,7 +2119,7 @@
           <a:p>
             <a:fld id="{698E9D3A-8B8F-4628-B0C5-6AF8B94C72A3}" type="datetimeFigureOut">
               <a:rPr lang="en-NL" smtClean="0"/>
-              <a:t>27/10/2020</a:t>
+              <a:t>28/10/2020</a:t>
             </a:fld>
             <a:endParaRPr lang="en-NL"/>
           </a:p>
@@ -2431,7 +2432,7 @@
           <a:p>
             <a:fld id="{698E9D3A-8B8F-4628-B0C5-6AF8B94C72A3}" type="datetimeFigureOut">
               <a:rPr lang="en-NL" smtClean="0"/>
-              <a:t>27/10/2020</a:t>
+              <a:t>28/10/2020</a:t>
             </a:fld>
             <a:endParaRPr lang="en-NL"/>
           </a:p>
@@ -2720,7 +2721,7 @@
           <a:p>
             <a:fld id="{698E9D3A-8B8F-4628-B0C5-6AF8B94C72A3}" type="datetimeFigureOut">
               <a:rPr lang="en-NL" smtClean="0"/>
-              <a:t>27/10/2020</a:t>
+              <a:t>28/10/2020</a:t>
             </a:fld>
             <a:endParaRPr lang="en-NL"/>
           </a:p>
@@ -2963,7 +2964,7 @@
           <a:p>
             <a:fld id="{698E9D3A-8B8F-4628-B0C5-6AF8B94C72A3}" type="datetimeFigureOut">
               <a:rPr lang="en-NL" smtClean="0"/>
-              <a:t>27/10/2020</a:t>
+              <a:t>28/10/2020</a:t>
             </a:fld>
             <a:endParaRPr lang="en-NL"/>
           </a:p>
@@ -3435,7 +3436,7 @@
         <p:spPr/>
         <p:txBody>
           <a:bodyPr>
-            <a:normAutofit fontScale="70000" lnSpcReduction="20000"/>
+            <a:normAutofit/>
           </a:bodyPr>
           <a:lstStyle/>
           <a:p>
@@ -3452,18 +3453,10 @@
           </a:p>
           <a:p>
             <a:r>
-              <a:rPr lang="en-GB" dirty="0"/>
-              <a:t>** Opinions and view points in this presentation may not be the opinions and viewpoints of anyone. This presentation is in no way related </a:t>
-            </a:r>
-            <a:r>
-              <a:rPr lang="en-GB"/>
-              <a:t>to cypress.io </a:t>
-            </a:r>
-            <a:r>
-              <a:rPr lang="en-GB" dirty="0"/>
-              <a:t>although the author does thank them for their product</a:t>
-            </a:r>
-            <a:endParaRPr lang="en-NL" dirty="0"/>
+              <a:rPr lang="en-GB" sz="1300" dirty="0"/>
+              <a:t>** Opinions and view points in this presentation may not be the opinions and viewpoints of anyone.</a:t>
+            </a:r>
+            <a:endParaRPr lang="en-NL" sz="1300" dirty="0"/>
           </a:p>
         </p:txBody>
       </p:sp>
@@ -3528,6 +3521,94 @@
 </file>
 
 <file path=ppt/slides/slide10.xml><?xml version="1.0" encoding="utf-8"?>
+<p:sld xmlns:a="http://schemas.openxmlformats.org/drawingml/2006/main" xmlns:r="http://schemas.openxmlformats.org/officeDocument/2006/relationships" xmlns:p="http://schemas.openxmlformats.org/presentationml/2006/main">
+  <p:cSld>
+    <p:spTree>
+      <p:nvGrpSpPr>
+        <p:cNvPr id="1" name=""/>
+        <p:cNvGrpSpPr/>
+        <p:nvPr/>
+      </p:nvGrpSpPr>
+      <p:grpSpPr>
+        <a:xfrm>
+          <a:off x="0" y="0"/>
+          <a:ext cx="0" cy="0"/>
+          <a:chOff x="0" y="0"/>
+          <a:chExt cx="0" cy="0"/>
+        </a:xfrm>
+      </p:grpSpPr>
+      <p:sp>
+        <p:nvSpPr>
+          <p:cNvPr id="2" name="Title 1">
+            <a:extLst>
+              <a:ext uri="{FF2B5EF4-FFF2-40B4-BE49-F238E27FC236}">
+                <a16:creationId xmlns:a16="http://schemas.microsoft.com/office/drawing/2014/main" id="{409B0013-90D7-48C6-9D73-5A4CECCBFD8C}"/>
+              </a:ext>
+            </a:extLst>
+          </p:cNvPr>
+          <p:cNvSpPr>
+            <a:spLocks noGrp="1"/>
+          </p:cNvSpPr>
+          <p:nvPr>
+            <p:ph type="title"/>
+          </p:nvPr>
+        </p:nvSpPr>
+        <p:spPr/>
+        <p:txBody>
+          <a:bodyPr/>
+          <a:lstStyle/>
+          <a:p>
+            <a:r>
+              <a:rPr lang="en-GB" dirty="0"/>
+              <a:t>Case Study – Simple Website</a:t>
+            </a:r>
+            <a:endParaRPr lang="en-NL" dirty="0"/>
+          </a:p>
+        </p:txBody>
+      </p:sp>
+      <p:pic>
+        <p:nvPicPr>
+          <p:cNvPr id="4" name="Picture 3">
+            <a:extLst>
+              <a:ext uri="{FF2B5EF4-FFF2-40B4-BE49-F238E27FC236}">
+                <a16:creationId xmlns:a16="http://schemas.microsoft.com/office/drawing/2014/main" id="{DDE4F618-1E2D-4772-8703-876604BC1AD6}"/>
+              </a:ext>
+            </a:extLst>
+          </p:cNvPr>
+          <p:cNvPicPr>
+            <a:picLocks noChangeAspect="1"/>
+          </p:cNvPicPr>
+          <p:nvPr/>
+        </p:nvPicPr>
+        <p:blipFill rotWithShape="1">
+          <a:blip r:embed="rId2"/>
+          <a:srcRect b="24689"/>
+          <a:stretch/>
+        </p:blipFill>
+        <p:spPr>
+          <a:xfrm>
+            <a:off x="1081481" y="1596668"/>
+            <a:ext cx="9766998" cy="5164858"/>
+          </a:xfrm>
+          <a:prstGeom prst="rect">
+            <a:avLst/>
+          </a:prstGeom>
+        </p:spPr>
+      </p:pic>
+    </p:spTree>
+    <p:extLst>
+      <p:ext uri="{BB962C8B-B14F-4D97-AF65-F5344CB8AC3E}">
+        <p14:creationId xmlns:p14="http://schemas.microsoft.com/office/powerpoint/2010/main" val="2742094609"/>
+      </p:ext>
+    </p:extLst>
+  </p:cSld>
+  <p:clrMapOvr>
+    <a:masterClrMapping/>
+  </p:clrMapOvr>
+</p:sld>
+</file>
+
+<file path=ppt/slides/slide11.xml><?xml version="1.0" encoding="utf-8"?>
 <p:sld xmlns:a="http://schemas.openxmlformats.org/drawingml/2006/main" xmlns:r="http://schemas.openxmlformats.org/officeDocument/2006/relationships" xmlns:p="http://schemas.openxmlformats.org/presentationml/2006/main">
   <p:cSld>
     <p:spTree>
@@ -3710,105 +3791,6 @@
 </p:sld>
 </file>
 
-<file path=ppt/slides/slide11.xml><?xml version="1.0" encoding="utf-8"?>
-<p:sld xmlns:a="http://schemas.openxmlformats.org/drawingml/2006/main" xmlns:r="http://schemas.openxmlformats.org/officeDocument/2006/relationships" xmlns:p="http://schemas.openxmlformats.org/presentationml/2006/main">
-  <p:cSld>
-    <p:spTree>
-      <p:nvGrpSpPr>
-        <p:cNvPr id="1" name=""/>
-        <p:cNvGrpSpPr/>
-        <p:nvPr/>
-      </p:nvGrpSpPr>
-      <p:grpSpPr>
-        <a:xfrm>
-          <a:off x="0" y="0"/>
-          <a:ext cx="0" cy="0"/>
-          <a:chOff x="0" y="0"/>
-          <a:chExt cx="0" cy="0"/>
-        </a:xfrm>
-      </p:grpSpPr>
-      <p:sp>
-        <p:nvSpPr>
-          <p:cNvPr id="2" name="Title 1">
-            <a:extLst>
-              <a:ext uri="{FF2B5EF4-FFF2-40B4-BE49-F238E27FC236}">
-                <a16:creationId xmlns:a16="http://schemas.microsoft.com/office/drawing/2014/main" id="{409B0013-90D7-48C6-9D73-5A4CECCBFD8C}"/>
-              </a:ext>
-            </a:extLst>
-          </p:cNvPr>
-          <p:cNvSpPr>
-            <a:spLocks noGrp="1"/>
-          </p:cNvSpPr>
-          <p:nvPr>
-            <p:ph type="title"/>
-          </p:nvPr>
-        </p:nvSpPr>
-        <p:spPr/>
-        <p:txBody>
-          <a:bodyPr/>
-          <a:lstStyle/>
-          <a:p>
-            <a:r>
-              <a:rPr lang="en-GB" dirty="0"/>
-              <a:t>Code Style / Flow of Control</a:t>
-            </a:r>
-            <a:endParaRPr lang="en-NL" dirty="0"/>
-          </a:p>
-        </p:txBody>
-      </p:sp>
-      <p:sp>
-        <p:nvSpPr>
-          <p:cNvPr id="3" name="Content Placeholder 2">
-            <a:extLst>
-              <a:ext uri="{FF2B5EF4-FFF2-40B4-BE49-F238E27FC236}">
-                <a16:creationId xmlns:a16="http://schemas.microsoft.com/office/drawing/2014/main" id="{E407C00B-96B3-4BE5-85B3-9B8A21CA1E93}"/>
-              </a:ext>
-            </a:extLst>
-          </p:cNvPr>
-          <p:cNvSpPr>
-            <a:spLocks noGrp="1"/>
-          </p:cNvSpPr>
-          <p:nvPr>
-            <p:ph idx="1"/>
-          </p:nvPr>
-        </p:nvSpPr>
-        <p:spPr/>
-        <p:txBody>
-          <a:bodyPr/>
-          <a:lstStyle/>
-          <a:p>
-            <a:r>
-              <a:rPr lang="en-GB" dirty="0"/>
-              <a:t>Cypress supports a mixture of asynchronous (promises) and synchronous code styles</a:t>
-            </a:r>
-          </a:p>
-          <a:p>
-            <a:r>
-              <a:rPr lang="en-GB" dirty="0"/>
-              <a:t>Cypress will execute code the in a synchronous manner</a:t>
-            </a:r>
-          </a:p>
-          <a:p>
-            <a:r>
-              <a:rPr lang="en-GB" dirty="0"/>
-              <a:t>The next 3 examples all result in the same execution but the clarity of the code differs greatly…</a:t>
-            </a:r>
-          </a:p>
-        </p:txBody>
-      </p:sp>
-    </p:spTree>
-    <p:extLst>
-      <p:ext uri="{BB962C8B-B14F-4D97-AF65-F5344CB8AC3E}">
-        <p14:creationId xmlns:p14="http://schemas.microsoft.com/office/powerpoint/2010/main" val="3073253201"/>
-      </p:ext>
-    </p:extLst>
-  </p:cSld>
-  <p:clrMapOvr>
-    <a:masterClrMapping/>
-  </p:clrMapOvr>
-</p:sld>
-</file>
-
 <file path=ppt/slides/slide12.xml><?xml version="1.0" encoding="utf-8"?>
 <p:sld xmlns:a="http://schemas.openxmlformats.org/drawingml/2006/main" xmlns:r="http://schemas.openxmlformats.org/officeDocument/2006/relationships" xmlns:p="http://schemas.openxmlformats.org/presentationml/2006/main">
   <p:cSld>
@@ -3826,127 +3808,79 @@
           <a:chExt cx="0" cy="0"/>
         </a:xfrm>
       </p:grpSpPr>
-      <p:pic>
-        <p:nvPicPr>
-          <p:cNvPr id="2" name="Picture 1">
-            <a:extLst>
-              <a:ext uri="{FF2B5EF4-FFF2-40B4-BE49-F238E27FC236}">
-                <a16:creationId xmlns:a16="http://schemas.microsoft.com/office/drawing/2014/main" id="{E72048FB-94BD-4799-BA0F-A5C393123D98}"/>
-              </a:ext>
-            </a:extLst>
-          </p:cNvPr>
-          <p:cNvPicPr>
-            <a:picLocks noChangeAspect="1"/>
-          </p:cNvPicPr>
-          <p:nvPr/>
-        </p:nvPicPr>
-        <p:blipFill rotWithShape="1">
-          <a:blip r:embed="rId2"/>
-          <a:srcRect r="65589"/>
-          <a:stretch/>
-        </p:blipFill>
-        <p:spPr>
-          <a:xfrm>
-            <a:off x="6626365" y="354564"/>
-            <a:ext cx="5260836" cy="6308249"/>
-          </a:xfrm>
-          <a:prstGeom prst="rect">
-            <a:avLst/>
-          </a:prstGeom>
-        </p:spPr>
-      </p:pic>
-      <p:pic>
-        <p:nvPicPr>
-          <p:cNvPr id="4" name="Picture 3">
-            <a:extLst>
-              <a:ext uri="{FF2B5EF4-FFF2-40B4-BE49-F238E27FC236}">
-                <a16:creationId xmlns:a16="http://schemas.microsoft.com/office/drawing/2014/main" id="{BAF06B80-D45A-454E-AF4D-51C352546149}"/>
-              </a:ext>
-            </a:extLst>
-          </p:cNvPr>
-          <p:cNvPicPr>
-            <a:picLocks noChangeAspect="1"/>
-          </p:cNvPicPr>
-          <p:nvPr/>
-        </p:nvPicPr>
-        <p:blipFill>
-          <a:blip r:embed="rId3"/>
-          <a:stretch>
-            <a:fillRect/>
-          </a:stretch>
-        </p:blipFill>
-        <p:spPr>
-          <a:xfrm>
-            <a:off x="84348" y="205274"/>
-            <a:ext cx="3524250" cy="3086100"/>
-          </a:xfrm>
-          <a:prstGeom prst="rect">
-            <a:avLst/>
-          </a:prstGeom>
-        </p:spPr>
-      </p:pic>
-      <p:pic>
-        <p:nvPicPr>
-          <p:cNvPr id="7" name="Picture 6">
-            <a:extLst>
-              <a:ext uri="{FF2B5EF4-FFF2-40B4-BE49-F238E27FC236}">
-                <a16:creationId xmlns:a16="http://schemas.microsoft.com/office/drawing/2014/main" id="{BD2823B4-45ED-4A2B-86FB-C0405DCC3924}"/>
-              </a:ext>
-            </a:extLst>
-          </p:cNvPr>
-          <p:cNvPicPr>
-            <a:picLocks noChangeAspect="1"/>
-          </p:cNvPicPr>
-          <p:nvPr/>
-        </p:nvPicPr>
-        <p:blipFill rotWithShape="1">
-          <a:blip r:embed="rId4"/>
-          <a:srcRect b="7541"/>
-          <a:stretch/>
-        </p:blipFill>
-        <p:spPr>
-          <a:xfrm>
-            <a:off x="3078273" y="1302251"/>
-            <a:ext cx="3409950" cy="2844574"/>
-          </a:xfrm>
-          <a:prstGeom prst="rect">
-            <a:avLst/>
-          </a:prstGeom>
-        </p:spPr>
-      </p:pic>
-      <p:pic>
-        <p:nvPicPr>
-          <p:cNvPr id="8" name="Picture 7">
-            <a:extLst>
-              <a:ext uri="{FF2B5EF4-FFF2-40B4-BE49-F238E27FC236}">
-                <a16:creationId xmlns:a16="http://schemas.microsoft.com/office/drawing/2014/main" id="{DA9432D8-F670-44E1-B11E-71DB46F5DBDA}"/>
-              </a:ext>
-            </a:extLst>
-          </p:cNvPr>
-          <p:cNvPicPr>
-            <a:picLocks noChangeAspect="1"/>
-          </p:cNvPicPr>
-          <p:nvPr/>
-        </p:nvPicPr>
-        <p:blipFill rotWithShape="1">
-          <a:blip r:embed="rId5"/>
-          <a:srcRect t="10479" b="10640"/>
-          <a:stretch/>
-        </p:blipFill>
-        <p:spPr>
-          <a:xfrm>
-            <a:off x="469761" y="4366727"/>
-            <a:ext cx="5095875" cy="2006081"/>
-          </a:xfrm>
-          <a:prstGeom prst="rect">
-            <a:avLst/>
-          </a:prstGeom>
-        </p:spPr>
-      </p:pic>
+      <p:sp>
+        <p:nvSpPr>
+          <p:cNvPr id="2" name="Title 1">
+            <a:extLst>
+              <a:ext uri="{FF2B5EF4-FFF2-40B4-BE49-F238E27FC236}">
+                <a16:creationId xmlns:a16="http://schemas.microsoft.com/office/drawing/2014/main" id="{409B0013-90D7-48C6-9D73-5A4CECCBFD8C}"/>
+              </a:ext>
+            </a:extLst>
+          </p:cNvPr>
+          <p:cNvSpPr>
+            <a:spLocks noGrp="1"/>
+          </p:cNvSpPr>
+          <p:nvPr>
+            <p:ph type="title"/>
+          </p:nvPr>
+        </p:nvSpPr>
+        <p:spPr/>
+        <p:txBody>
+          <a:bodyPr/>
+          <a:lstStyle/>
+          <a:p>
+            <a:r>
+              <a:rPr lang="en-GB" dirty="0"/>
+              <a:t>Code Style / Flow of Control</a:t>
+            </a:r>
+            <a:endParaRPr lang="en-NL" dirty="0"/>
+          </a:p>
+        </p:txBody>
+      </p:sp>
+      <p:sp>
+        <p:nvSpPr>
+          <p:cNvPr id="3" name="Content Placeholder 2">
+            <a:extLst>
+              <a:ext uri="{FF2B5EF4-FFF2-40B4-BE49-F238E27FC236}">
+                <a16:creationId xmlns:a16="http://schemas.microsoft.com/office/drawing/2014/main" id="{E407C00B-96B3-4BE5-85B3-9B8A21CA1E93}"/>
+              </a:ext>
+            </a:extLst>
+          </p:cNvPr>
+          <p:cNvSpPr>
+            <a:spLocks noGrp="1"/>
+          </p:cNvSpPr>
+          <p:nvPr>
+            <p:ph idx="1"/>
+          </p:nvPr>
+        </p:nvSpPr>
+        <p:spPr/>
+        <p:txBody>
+          <a:bodyPr/>
+          <a:lstStyle/>
+          <a:p>
+            <a:r>
+              <a:rPr lang="en-GB" dirty="0"/>
+              <a:t>Cypress supports a mixture of asynchronous (promises) and synchronous code styles</a:t>
+            </a:r>
+          </a:p>
+          <a:p>
+            <a:r>
+              <a:rPr lang="en-GB" dirty="0"/>
+              <a:t>Cypress will execute code the in a synchronous manner</a:t>
+            </a:r>
+          </a:p>
+          <a:p>
+            <a:r>
+              <a:rPr lang="en-GB" dirty="0"/>
+              <a:t>The next 3 examples all result in the same execution but the clarity of the code differs greatly…</a:t>
+            </a:r>
+          </a:p>
+        </p:txBody>
+      </p:sp>
     </p:spTree>
     <p:extLst>
       <p:ext uri="{BB962C8B-B14F-4D97-AF65-F5344CB8AC3E}">
-        <p14:creationId xmlns:p14="http://schemas.microsoft.com/office/powerpoint/2010/main" val="3351910934"/>
+        <p14:creationId xmlns:p14="http://schemas.microsoft.com/office/powerpoint/2010/main" val="3073253201"/>
       </p:ext>
     </p:extLst>
   </p:cSld>
@@ -3975,10 +3909,39 @@
       </p:grpSpPr>
       <p:pic>
         <p:nvPicPr>
+          <p:cNvPr id="2" name="Picture 1">
+            <a:extLst>
+              <a:ext uri="{FF2B5EF4-FFF2-40B4-BE49-F238E27FC236}">
+                <a16:creationId xmlns:a16="http://schemas.microsoft.com/office/drawing/2014/main" id="{E72048FB-94BD-4799-BA0F-A5C393123D98}"/>
+              </a:ext>
+            </a:extLst>
+          </p:cNvPr>
+          <p:cNvPicPr>
+            <a:picLocks noChangeAspect="1"/>
+          </p:cNvPicPr>
+          <p:nvPr/>
+        </p:nvPicPr>
+        <p:blipFill rotWithShape="1">
+          <a:blip r:embed="rId2"/>
+          <a:srcRect r="65589"/>
+          <a:stretch/>
+        </p:blipFill>
+        <p:spPr>
+          <a:xfrm>
+            <a:off x="6626365" y="354564"/>
+            <a:ext cx="5260836" cy="6308249"/>
+          </a:xfrm>
+          <a:prstGeom prst="rect">
+            <a:avLst/>
+          </a:prstGeom>
+        </p:spPr>
+      </p:pic>
+      <p:pic>
+        <p:nvPicPr>
           <p:cNvPr id="4" name="Picture 3">
             <a:extLst>
               <a:ext uri="{FF2B5EF4-FFF2-40B4-BE49-F238E27FC236}">
-                <a16:creationId xmlns:a16="http://schemas.microsoft.com/office/drawing/2014/main" id="{DFE956BF-8F93-414C-ABAE-A94D59C70DE2}"/>
+                <a16:creationId xmlns:a16="http://schemas.microsoft.com/office/drawing/2014/main" id="{BAF06B80-D45A-454E-AF4D-51C352546149}"/>
               </a:ext>
             </a:extLst>
           </p:cNvPr>
@@ -3988,15 +3951,73 @@
           <p:nvPr/>
         </p:nvPicPr>
         <p:blipFill>
-          <a:blip r:embed="rId2"/>
+          <a:blip r:embed="rId3"/>
           <a:stretch>
             <a:fillRect/>
           </a:stretch>
         </p:blipFill>
         <p:spPr>
           <a:xfrm>
-            <a:off x="1614487" y="851807"/>
-            <a:ext cx="8963025" cy="4762500"/>
+            <a:off x="84348" y="205274"/>
+            <a:ext cx="3524250" cy="3086100"/>
+          </a:xfrm>
+          <a:prstGeom prst="rect">
+            <a:avLst/>
+          </a:prstGeom>
+        </p:spPr>
+      </p:pic>
+      <p:pic>
+        <p:nvPicPr>
+          <p:cNvPr id="7" name="Picture 6">
+            <a:extLst>
+              <a:ext uri="{FF2B5EF4-FFF2-40B4-BE49-F238E27FC236}">
+                <a16:creationId xmlns:a16="http://schemas.microsoft.com/office/drawing/2014/main" id="{BD2823B4-45ED-4A2B-86FB-C0405DCC3924}"/>
+              </a:ext>
+            </a:extLst>
+          </p:cNvPr>
+          <p:cNvPicPr>
+            <a:picLocks noChangeAspect="1"/>
+          </p:cNvPicPr>
+          <p:nvPr/>
+        </p:nvPicPr>
+        <p:blipFill rotWithShape="1">
+          <a:blip r:embed="rId4"/>
+          <a:srcRect b="7541"/>
+          <a:stretch/>
+        </p:blipFill>
+        <p:spPr>
+          <a:xfrm>
+            <a:off x="3078273" y="1302251"/>
+            <a:ext cx="3409950" cy="2844574"/>
+          </a:xfrm>
+          <a:prstGeom prst="rect">
+            <a:avLst/>
+          </a:prstGeom>
+        </p:spPr>
+      </p:pic>
+      <p:pic>
+        <p:nvPicPr>
+          <p:cNvPr id="8" name="Picture 7">
+            <a:extLst>
+              <a:ext uri="{FF2B5EF4-FFF2-40B4-BE49-F238E27FC236}">
+                <a16:creationId xmlns:a16="http://schemas.microsoft.com/office/drawing/2014/main" id="{DA9432D8-F670-44E1-B11E-71DB46F5DBDA}"/>
+              </a:ext>
+            </a:extLst>
+          </p:cNvPr>
+          <p:cNvPicPr>
+            <a:picLocks noChangeAspect="1"/>
+          </p:cNvPicPr>
+          <p:nvPr/>
+        </p:nvPicPr>
+        <p:blipFill rotWithShape="1">
+          <a:blip r:embed="rId5"/>
+          <a:srcRect t="10479" b="10640"/>
+          <a:stretch/>
+        </p:blipFill>
+        <p:spPr>
+          <a:xfrm>
+            <a:off x="469761" y="4366727"/>
+            <a:ext cx="5095875" cy="2006081"/>
           </a:xfrm>
           <a:prstGeom prst="rect">
             <a:avLst/>
@@ -4006,7 +4027,7 @@
     </p:spTree>
     <p:extLst>
       <p:ext uri="{BB962C8B-B14F-4D97-AF65-F5344CB8AC3E}">
-        <p14:creationId xmlns:p14="http://schemas.microsoft.com/office/powerpoint/2010/main" val="2132938194"/>
+        <p14:creationId xmlns:p14="http://schemas.microsoft.com/office/powerpoint/2010/main" val="3351910934"/>
       </p:ext>
     </p:extLst>
   </p:cSld>
@@ -4038,7 +4059,7 @@
           <p:cNvPr id="4" name="Picture 3">
             <a:extLst>
               <a:ext uri="{FF2B5EF4-FFF2-40B4-BE49-F238E27FC236}">
-                <a16:creationId xmlns:a16="http://schemas.microsoft.com/office/drawing/2014/main" id="{AD0090EE-52C9-4ADE-8775-2AEC14EFDE94}"/>
+                <a16:creationId xmlns:a16="http://schemas.microsoft.com/office/drawing/2014/main" id="{DFE956BF-8F93-414C-ABAE-A94D59C70DE2}"/>
               </a:ext>
             </a:extLst>
           </p:cNvPr>
@@ -4055,8 +4076,8 @@
         </p:blipFill>
         <p:spPr>
           <a:xfrm>
-            <a:off x="0" y="541421"/>
-            <a:ext cx="12192000" cy="5775158"/>
+            <a:off x="1614487" y="851807"/>
+            <a:ext cx="8963025" cy="4762500"/>
           </a:xfrm>
           <a:prstGeom prst="rect">
             <a:avLst/>
@@ -4066,7 +4087,7 @@
     </p:spTree>
     <p:extLst>
       <p:ext uri="{BB962C8B-B14F-4D97-AF65-F5344CB8AC3E}">
-        <p14:creationId xmlns:p14="http://schemas.microsoft.com/office/powerpoint/2010/main" val="3161402664"/>
+        <p14:creationId xmlns:p14="http://schemas.microsoft.com/office/powerpoint/2010/main" val="2132938194"/>
       </p:ext>
     </p:extLst>
   </p:cSld>
@@ -4098,6 +4119,66 @@
           <p:cNvPr id="4" name="Picture 3">
             <a:extLst>
               <a:ext uri="{FF2B5EF4-FFF2-40B4-BE49-F238E27FC236}">
+                <a16:creationId xmlns:a16="http://schemas.microsoft.com/office/drawing/2014/main" id="{AD0090EE-52C9-4ADE-8775-2AEC14EFDE94}"/>
+              </a:ext>
+            </a:extLst>
+          </p:cNvPr>
+          <p:cNvPicPr>
+            <a:picLocks noChangeAspect="1"/>
+          </p:cNvPicPr>
+          <p:nvPr/>
+        </p:nvPicPr>
+        <p:blipFill>
+          <a:blip r:embed="rId2"/>
+          <a:stretch>
+            <a:fillRect/>
+          </a:stretch>
+        </p:blipFill>
+        <p:spPr>
+          <a:xfrm>
+            <a:off x="0" y="541421"/>
+            <a:ext cx="12192000" cy="5775158"/>
+          </a:xfrm>
+          <a:prstGeom prst="rect">
+            <a:avLst/>
+          </a:prstGeom>
+        </p:spPr>
+      </p:pic>
+    </p:spTree>
+    <p:extLst>
+      <p:ext uri="{BB962C8B-B14F-4D97-AF65-F5344CB8AC3E}">
+        <p14:creationId xmlns:p14="http://schemas.microsoft.com/office/powerpoint/2010/main" val="3161402664"/>
+      </p:ext>
+    </p:extLst>
+  </p:cSld>
+  <p:clrMapOvr>
+    <a:masterClrMapping/>
+  </p:clrMapOvr>
+</p:sld>
+</file>
+
+<file path=ppt/slides/slide16.xml><?xml version="1.0" encoding="utf-8"?>
+<p:sld xmlns:a="http://schemas.openxmlformats.org/drawingml/2006/main" xmlns:r="http://schemas.openxmlformats.org/officeDocument/2006/relationships" xmlns:p="http://schemas.openxmlformats.org/presentationml/2006/main">
+  <p:cSld>
+    <p:spTree>
+      <p:nvGrpSpPr>
+        <p:cNvPr id="1" name=""/>
+        <p:cNvGrpSpPr/>
+        <p:nvPr/>
+      </p:nvGrpSpPr>
+      <p:grpSpPr>
+        <a:xfrm>
+          <a:off x="0" y="0"/>
+          <a:ext cx="0" cy="0"/>
+          <a:chOff x="0" y="0"/>
+          <a:chExt cx="0" cy="0"/>
+        </a:xfrm>
+      </p:grpSpPr>
+      <p:pic>
+        <p:nvPicPr>
+          <p:cNvPr id="4" name="Picture 3">
+            <a:extLst>
+              <a:ext uri="{FF2B5EF4-FFF2-40B4-BE49-F238E27FC236}">
                 <a16:creationId xmlns:a16="http://schemas.microsoft.com/office/drawing/2014/main" id="{E4C87A05-7DD9-42FD-A06E-2415DF76B164}"/>
               </a:ext>
             </a:extLst>
@@ -4136,7 +4217,7 @@
 </p:sld>
 </file>
 
-<file path=ppt/slides/slide16.xml><?xml version="1.0" encoding="utf-8"?>
+<file path=ppt/slides/slide17.xml><?xml version="1.0" encoding="utf-8"?>
 <p:sld xmlns:a="http://schemas.openxmlformats.org/drawingml/2006/main" xmlns:r="http://schemas.openxmlformats.org/officeDocument/2006/relationships" xmlns:p="http://schemas.openxmlformats.org/presentationml/2006/main">
   <p:cSld>
     <p:bg>
@@ -4693,7 +4774,7 @@
 </p:sld>
 </file>
 
-<file path=ppt/slides/slide17.xml><?xml version="1.0" encoding="utf-8"?>
+<file path=ppt/slides/slide18.xml><?xml version="1.0" encoding="utf-8"?>
 <p:sld xmlns:a="http://schemas.openxmlformats.org/drawingml/2006/main" xmlns:r="http://schemas.openxmlformats.org/officeDocument/2006/relationships" xmlns:p="http://schemas.openxmlformats.org/presentationml/2006/main">
   <p:cSld>
     <p:spTree>
@@ -5070,7 +5151,7 @@
 </p:sld>
 </file>
 
-<file path=ppt/slides/slide18.xml><?xml version="1.0" encoding="utf-8"?>
+<file path=ppt/slides/slide19.xml><?xml version="1.0" encoding="utf-8"?>
 <p:sld xmlns:a="http://schemas.openxmlformats.org/drawingml/2006/main" xmlns:r="http://schemas.openxmlformats.org/officeDocument/2006/relationships" xmlns:p="http://schemas.openxmlformats.org/presentationml/2006/main">
   <p:cSld>
     <p:bg>
@@ -5614,9 +5695,17 @@
 </p:sld>
 </file>
 
-<file path=ppt/slides/slide19.xml><?xml version="1.0" encoding="utf-8"?>
+<file path=ppt/slides/slide2.xml><?xml version="1.0" encoding="utf-8"?>
 <p:sld xmlns:a="http://schemas.openxmlformats.org/drawingml/2006/main" xmlns:r="http://schemas.openxmlformats.org/officeDocument/2006/relationships" xmlns:p="http://schemas.openxmlformats.org/presentationml/2006/main">
   <p:cSld>
+    <p:bg>
+      <p:bgPr>
+        <a:solidFill>
+          <a:schemeClr val="bg1"/>
+        </a:solidFill>
+        <a:effectLst/>
+      </p:bgPr>
+    </p:bg>
     <p:spTree>
       <p:nvGrpSpPr>
         <p:cNvPr id="1" name=""/>
@@ -5636,7 +5725,7 @@
           <p:cNvPr id="2" name="Title 1">
             <a:extLst>
               <a:ext uri="{FF2B5EF4-FFF2-40B4-BE49-F238E27FC236}">
-                <a16:creationId xmlns:a16="http://schemas.microsoft.com/office/drawing/2014/main" id="{599AD40E-190E-49E9-A0F6-739908CAF331}"/>
+                <a16:creationId xmlns:a16="http://schemas.microsoft.com/office/drawing/2014/main" id="{D7402B33-A415-4E19-8692-A62466E96933}"/>
               </a:ext>
             </a:extLst>
           </p:cNvPr>
@@ -5647,14 +5736,21 @@
             <p:ph type="title"/>
           </p:nvPr>
         </p:nvSpPr>
-        <p:spPr/>
-        <p:txBody>
-          <a:bodyPr/>
+        <p:spPr>
+          <a:xfrm>
+            <a:off x="1136428" y="627564"/>
+            <a:ext cx="7474172" cy="1325563"/>
+          </a:xfrm>
+        </p:spPr>
+        <p:txBody>
+          <a:bodyPr>
+            <a:normAutofit/>
+          </a:bodyPr>
           <a:lstStyle/>
           <a:p>
             <a:r>
               <a:rPr lang="en-GB" dirty="0"/>
-              <a:t>Better Options</a:t>
+              <a:t>Introduction</a:t>
             </a:r>
             <a:endParaRPr lang="en-NL" dirty="0"/>
           </a:p>
@@ -5662,103 +5758,326 @@
       </p:sp>
       <p:sp>
         <p:nvSpPr>
-          <p:cNvPr id="4" name="TextBox 3">
-            <a:extLst>
-              <a:ext uri="{FF2B5EF4-FFF2-40B4-BE49-F238E27FC236}">
-                <a16:creationId xmlns:a16="http://schemas.microsoft.com/office/drawing/2014/main" id="{5D7F4EA9-D833-4CCA-BF84-BDAE8FAE1705}"/>
-              </a:ext>
-            </a:extLst>
-          </p:cNvPr>
-          <p:cNvSpPr txBox="1"/>
-          <p:nvPr/>
-        </p:nvSpPr>
-        <p:spPr>
-          <a:xfrm>
-            <a:off x="382555" y="1397675"/>
-            <a:ext cx="6258958" cy="923330"/>
+          <p:cNvPr id="3" name="Content Placeholder 2">
+            <a:extLst>
+              <a:ext uri="{FF2B5EF4-FFF2-40B4-BE49-F238E27FC236}">
+                <a16:creationId xmlns:a16="http://schemas.microsoft.com/office/drawing/2014/main" id="{14629C02-C596-40B2-B0E1-F31F13E22747}"/>
+              </a:ext>
+            </a:extLst>
+          </p:cNvPr>
+          <p:cNvSpPr>
+            <a:spLocks noGrp="1"/>
+          </p:cNvSpPr>
+          <p:nvPr>
+            <p:ph idx="1"/>
+          </p:nvPr>
+        </p:nvSpPr>
+        <p:spPr>
+          <a:xfrm>
+            <a:off x="1136429" y="2278173"/>
+            <a:ext cx="6467867" cy="3450613"/>
+          </a:xfrm>
+        </p:spPr>
+        <p:txBody>
+          <a:bodyPr anchor="ctr">
+            <a:noAutofit/>
+          </a:bodyPr>
+          <a:lstStyle/>
+          <a:p>
+            <a:r>
+              <a:rPr lang="en-GB" sz="1600" dirty="0"/>
+              <a:t>Who am I</a:t>
+            </a:r>
+          </a:p>
+          <a:p>
+            <a:pPr lvl="1"/>
+            <a:r>
+              <a:rPr lang="en-GB" sz="1600" dirty="0"/>
+              <a:t>Software Engineer 10+ years</a:t>
+            </a:r>
+          </a:p>
+          <a:p>
+            <a:pPr lvl="2"/>
+            <a:r>
+              <a:rPr lang="en-GB" sz="1600" dirty="0"/>
+              <a:t>so not a QA, but hoping I can still be relevant ;)</a:t>
+            </a:r>
+          </a:p>
+          <a:p>
+            <a:r>
+              <a:rPr lang="en-GB" sz="1600" dirty="0"/>
+              <a:t>What is the Goal of this presentation</a:t>
+            </a:r>
+          </a:p>
+          <a:p>
+            <a:pPr lvl="1"/>
+            <a:r>
+              <a:rPr lang="en-GB" sz="1600" dirty="0"/>
+              <a:t>Cypress</a:t>
+            </a:r>
+          </a:p>
+          <a:p>
+            <a:pPr marL="914400" lvl="2" indent="0">
+              <a:buNone/>
+            </a:pPr>
+            <a:r>
+              <a:rPr lang="en-GB" sz="1600" i="1" dirty="0"/>
+              <a:t>Some of the common pitfalls and best practices</a:t>
+            </a:r>
+          </a:p>
+          <a:p>
+            <a:pPr marL="914400" lvl="2" indent="0">
+              <a:buNone/>
+            </a:pPr>
+            <a:r>
+              <a:rPr lang="en-GB" sz="1600" i="1" dirty="0"/>
+              <a:t>Introduction / Highlights</a:t>
+            </a:r>
+          </a:p>
+          <a:p>
+            <a:pPr lvl="1"/>
+            <a:r>
+              <a:rPr lang="en-GB" sz="1600" dirty="0"/>
+              <a:t>Case Study</a:t>
+            </a:r>
+          </a:p>
+          <a:p>
+            <a:pPr marL="914400" lvl="2" indent="0">
+              <a:buNone/>
+            </a:pPr>
+            <a:r>
+              <a:rPr lang="en-GB" sz="1600" i="1" dirty="0"/>
+              <a:t>Simplified example to make it feel real!</a:t>
+            </a:r>
+          </a:p>
+          <a:p>
+            <a:pPr lvl="1"/>
+            <a:r>
+              <a:rPr lang="en-GB" sz="1600" dirty="0"/>
+              <a:t>Design principles </a:t>
+            </a:r>
+          </a:p>
+          <a:p>
+            <a:pPr marL="914400" lvl="2" indent="0">
+              <a:buNone/>
+            </a:pPr>
+            <a:r>
+              <a:rPr lang="en-GB" sz="1600" i="1" dirty="0"/>
+              <a:t>Intended to make software designs more understandable, flexible and maintainable</a:t>
+            </a:r>
+          </a:p>
+          <a:p>
+            <a:pPr marL="914400" lvl="2" indent="0">
+              <a:buNone/>
+            </a:pPr>
+            <a:r>
+              <a:rPr lang="en-GB" sz="1600" i="1" dirty="0"/>
+              <a:t>Introduction / Highlights</a:t>
+            </a:r>
+          </a:p>
+        </p:txBody>
+      </p:sp>
+      <p:sp>
+        <p:nvSpPr>
+          <p:cNvPr id="10" name="Rectangle 9">
+            <a:extLst>
+              <a:ext uri="{FF2B5EF4-FFF2-40B4-BE49-F238E27FC236}">
+                <a16:creationId xmlns:a16="http://schemas.microsoft.com/office/drawing/2014/main" id="{59A309A7-1751-4ABE-A3C1-EEC40366AD89}"/>
+              </a:ext>
+              <a:ext uri="{C183D7F6-B498-43B3-948B-1728B52AA6E4}">
+                <adec:decorative xmlns:adec="http://schemas.microsoft.com/office/drawing/2017/decorative" val="1"/>
+              </a:ext>
+            </a:extLst>
+          </p:cNvPr>
+          <p:cNvSpPr>
+            <a:spLocks noGrp="1" noRot="1" noChangeAspect="1" noMove="1" noResize="1" noEditPoints="1" noAdjustHandles="1" noChangeArrowheads="1" noChangeShapeType="1" noTextEdit="1"/>
+          </p:cNvSpPr>
+          <p:nvPr>
+            <p:extLst>
+              <p:ext uri="{386F3935-93C4-4BCD-93E2-E3B085C9AB24}">
+                <p16:designElem xmlns:p16="http://schemas.microsoft.com/office/powerpoint/2015/main" val="1"/>
+              </p:ext>
+            </p:extLst>
+          </p:nvPr>
+        </p:nvSpPr>
+        <p:spPr>
+          <a:xfrm>
+            <a:off x="10088880" y="0"/>
+            <a:ext cx="2103120" cy="6858000"/>
           </a:xfrm>
           <a:prstGeom prst="rect">
             <a:avLst/>
           </a:prstGeom>
-          <a:noFill/>
-        </p:spPr>
-        <p:txBody>
-          <a:bodyPr wrap="none" rtlCol="0">
-            <a:spAutoFit/>
-          </a:bodyPr>
+          <a:ln>
+            <a:noFill/>
+          </a:ln>
+        </p:spPr>
+        <p:style>
+          <a:lnRef idx="2">
+            <a:schemeClr val="accent1">
+              <a:shade val="50000"/>
+            </a:schemeClr>
+          </a:lnRef>
+          <a:fillRef idx="1">
+            <a:schemeClr val="accent1"/>
+          </a:fillRef>
+          <a:effectRef idx="0">
+            <a:schemeClr val="accent1"/>
+          </a:effectRef>
+          <a:fontRef idx="minor">
+            <a:schemeClr val="lt1"/>
+          </a:fontRef>
+        </p:style>
+        <p:txBody>
+          <a:bodyPr rtlCol="0" anchor="ctr"/>
           <a:lstStyle/>
           <a:p>
-            <a:r>
-              <a:rPr lang="en-GB" i="1" u="sng" dirty="0"/>
-              <a:t>Without mocking the data </a:t>
-            </a:r>
-            <a:r>
-              <a:rPr lang="en-GB" i="1" dirty="0"/>
-              <a:t>– just wait for the request to be made </a:t>
-            </a:r>
-          </a:p>
-          <a:p>
-            <a:r>
-              <a:rPr lang="en-GB" i="1" dirty="0"/>
-              <a:t>and respond (also gives it a name in the console)</a:t>
-            </a:r>
-          </a:p>
-          <a:p>
-            <a:endParaRPr lang="en-GB" dirty="0"/>
-          </a:p>
-        </p:txBody>
-      </p:sp>
-      <p:sp>
-        <p:nvSpPr>
-          <p:cNvPr id="5" name="TextBox 4">
-            <a:extLst>
-              <a:ext uri="{FF2B5EF4-FFF2-40B4-BE49-F238E27FC236}">
-                <a16:creationId xmlns:a16="http://schemas.microsoft.com/office/drawing/2014/main" id="{9DD70469-859B-4281-8F34-38007FF56565}"/>
-              </a:ext>
-            </a:extLst>
-          </p:cNvPr>
-          <p:cNvSpPr txBox="1"/>
-          <p:nvPr/>
-        </p:nvSpPr>
-        <p:spPr>
-          <a:xfrm>
-            <a:off x="382555" y="3508311"/>
-            <a:ext cx="5311775" cy="923330"/>
-          </a:xfrm>
-          <a:prstGeom prst="rect">
+            <a:pPr algn="ctr"/>
+            <a:endParaRPr lang="en-US"/>
+          </a:p>
+        </p:txBody>
+      </p:sp>
+      <p:sp>
+        <p:nvSpPr>
+          <p:cNvPr id="12" name="Oval 11">
+            <a:extLst>
+              <a:ext uri="{FF2B5EF4-FFF2-40B4-BE49-F238E27FC236}">
+                <a16:creationId xmlns:a16="http://schemas.microsoft.com/office/drawing/2014/main" id="{967D8EB6-EAE1-4F9C-B398-83321E287204}"/>
+              </a:ext>
+              <a:ext uri="{C183D7F6-B498-43B3-948B-1728B52AA6E4}">
+                <adec:decorative xmlns:adec="http://schemas.microsoft.com/office/drawing/2017/decorative" val="1"/>
+              </a:ext>
+            </a:extLst>
+          </p:cNvPr>
+          <p:cNvSpPr>
+            <a:spLocks noGrp="1" noRot="1" noChangeAspect="1" noMove="1" noResize="1" noEditPoints="1" noAdjustHandles="1" noChangeArrowheads="1" noChangeShapeType="1" noTextEdit="1"/>
+          </p:cNvSpPr>
+          <p:nvPr>
+            <p:extLst>
+              <p:ext uri="{386F3935-93C4-4BCD-93E2-E3B085C9AB24}">
+                <p16:designElem xmlns:p16="http://schemas.microsoft.com/office/powerpoint/2015/main" val="1"/>
+              </p:ext>
+            </p:extLst>
+          </p:nvPr>
+        </p:nvSpPr>
+        <p:spPr>
+          <a:xfrm>
+            <a:off x="8915400" y="2358913"/>
+            <a:ext cx="2140172" cy="2140172"/>
+          </a:xfrm>
+          <a:prstGeom prst="ellipse">
             <a:avLst/>
           </a:prstGeom>
-          <a:noFill/>
-        </p:spPr>
-        <p:txBody>
-          <a:bodyPr wrap="none" rtlCol="0">
-            <a:spAutoFit/>
-          </a:bodyPr>
+          <a:solidFill>
+            <a:srgbClr val="FFFFFF"/>
+          </a:solidFill>
+          <a:ln w="22225">
+            <a:solidFill>
+              <a:srgbClr val="FF7529"/>
+            </a:solidFill>
+          </a:ln>
+        </p:spPr>
+        <p:style>
+          <a:lnRef idx="2">
+            <a:schemeClr val="accent1">
+              <a:shade val="50000"/>
+            </a:schemeClr>
+          </a:lnRef>
+          <a:fillRef idx="1">
+            <a:schemeClr val="accent1"/>
+          </a:fillRef>
+          <a:effectRef idx="0">
+            <a:schemeClr val="accent1"/>
+          </a:effectRef>
+          <a:fontRef idx="minor">
+            <a:schemeClr val="lt1"/>
+          </a:fontRef>
+        </p:style>
+        <p:txBody>
+          <a:bodyPr rtlCol="0" anchor="ctr"/>
           <a:lstStyle/>
           <a:p>
-            <a:r>
-              <a:rPr lang="en-GB" i="1" u="sng" dirty="0"/>
-              <a:t>With mock data</a:t>
-            </a:r>
-            <a:r>
-              <a:rPr lang="en-GB" i="1" dirty="0"/>
-              <a:t> you can do environment agnostic tests</a:t>
-            </a:r>
-          </a:p>
-          <a:p>
-            <a:endParaRPr lang="en-GB" dirty="0"/>
-          </a:p>
-          <a:p>
-            <a:endParaRPr lang="en-NL" dirty="0"/>
+            <a:pPr algn="ctr"/>
+            <a:endParaRPr lang="en-US"/>
           </a:p>
         </p:txBody>
       </p:sp>
       <p:pic>
         <p:nvPicPr>
-          <p:cNvPr id="6" name="Picture 5">
-            <a:extLst>
-              <a:ext uri="{FF2B5EF4-FFF2-40B4-BE49-F238E27FC236}">
-                <a16:creationId xmlns:a16="http://schemas.microsoft.com/office/drawing/2014/main" id="{439F704F-6AF9-4F59-A226-7FD104462D9C}"/>
+          <p:cNvPr id="1026" name="Picture 2" descr="Edit photo">
+            <a:extLst>
+              <a:ext uri="{FF2B5EF4-FFF2-40B4-BE49-F238E27FC236}">
+                <a16:creationId xmlns:a16="http://schemas.microsoft.com/office/drawing/2014/main" id="{408E8A19-F38B-46F6-95DF-AAED3E0628C0}"/>
+              </a:ext>
+            </a:extLst>
+          </p:cNvPr>
+          <p:cNvPicPr>
+            <a:picLocks noChangeAspect="1" noChangeArrowheads="1"/>
+          </p:cNvPicPr>
+          <p:nvPr/>
+        </p:nvPicPr>
+        <p:blipFill>
+          <a:blip r:embed="rId2">
+            <a:extLst>
+              <a:ext uri="{28A0092B-C50C-407E-A947-70E740481C1C}">
+                <a14:useLocalDpi xmlns:a14="http://schemas.microsoft.com/office/drawing/2010/main" val="0"/>
+              </a:ext>
+            </a:extLst>
+          </a:blip>
+          <a:srcRect/>
+          <a:stretch>
+            <a:fillRect/>
+          </a:stretch>
+        </p:blipFill>
+        <p:spPr bwMode="auto">
+          <a:xfrm>
+            <a:off x="9357059" y="2612571"/>
+            <a:ext cx="1190430" cy="1190430"/>
+          </a:xfrm>
+          <a:prstGeom prst="ellipse">
+            <a:avLst/>
+          </a:prstGeom>
+          <a:ln w="63500" cap="rnd">
+            <a:solidFill>
+              <a:srgbClr val="333333"/>
+            </a:solidFill>
+          </a:ln>
+          <a:effectLst>
+            <a:outerShdw blurRad="381000" dist="292100" dir="5400000" sx="-80000" sy="-18000" rotWithShape="0">
+              <a:srgbClr val="000000">
+                <a:alpha val="22000"/>
+              </a:srgbClr>
+            </a:outerShdw>
+          </a:effectLst>
+          <a:scene3d>
+            <a:camera prst="orthographicFront"/>
+            <a:lightRig rig="contrasting" dir="t">
+              <a:rot lat="0" lon="0" rev="3000000"/>
+            </a:lightRig>
+          </a:scene3d>
+          <a:sp3d contourW="7620">
+            <a:bevelT w="95250" h="31750"/>
+            <a:contourClr>
+              <a:srgbClr val="333333"/>
+            </a:contourClr>
+          </a:sp3d>
+          <a:extLst>
+            <a:ext uri="{909E8E84-426E-40DD-AFC4-6F175D3DCCD1}">
+              <a14:hiddenFill xmlns:a14="http://schemas.microsoft.com/office/drawing/2010/main">
+                <a:solidFill>
+                  <a:srgbClr val="FFFFFF"/>
+                </a:solidFill>
+              </a14:hiddenFill>
+            </a:ext>
+          </a:extLst>
+        </p:spPr>
+      </p:pic>
+      <p:pic>
+        <p:nvPicPr>
+          <p:cNvPr id="5" name="Picture 4">
+            <a:extLst>
+              <a:ext uri="{FF2B5EF4-FFF2-40B4-BE49-F238E27FC236}">
+                <a16:creationId xmlns:a16="http://schemas.microsoft.com/office/drawing/2014/main" id="{9F2A259D-A31E-4D7A-B708-786E8E8495F0}"/>
               </a:ext>
             </a:extLst>
           </p:cNvPr>
@@ -5768,244 +6087,103 @@
           <p:nvPr/>
         </p:nvPicPr>
         <p:blipFill rotWithShape="1">
-          <a:blip r:embed="rId2"/>
-          <a:srcRect t="17340"/>
+          <a:blip r:embed="rId3">
+            <a:alphaModFix/>
+          </a:blip>
+          <a:srcRect l="1892" r="1076" b="-1"/>
           <a:stretch/>
         </p:blipFill>
         <p:spPr>
           <a:xfrm>
-            <a:off x="6564714" y="280389"/>
-            <a:ext cx="5627286" cy="3517169"/>
-          </a:xfrm>
-          <a:prstGeom prst="rect">
+            <a:off x="10168322" y="3449701"/>
+            <a:ext cx="682714" cy="681618"/>
+          </a:xfrm>
+          <a:custGeom>
             <a:avLst/>
-          </a:prstGeom>
+            <a:gdLst/>
+            <a:ahLst/>
+            <a:cxnLst/>
+            <a:rect l="l" t="t" r="r" b="b"/>
+            <a:pathLst>
+              <a:path w="6057610" h="6057610">
+                <a:moveTo>
+                  <a:pt x="3028805" y="0"/>
+                </a:moveTo>
+                <a:cubicBezTo>
+                  <a:pt x="4701568" y="0"/>
+                  <a:pt x="6057610" y="1356042"/>
+                  <a:pt x="6057610" y="3028805"/>
+                </a:cubicBezTo>
+                <a:cubicBezTo>
+                  <a:pt x="6057610" y="4701568"/>
+                  <a:pt x="4701568" y="6057610"/>
+                  <a:pt x="3028805" y="6057610"/>
+                </a:cubicBezTo>
+                <a:cubicBezTo>
+                  <a:pt x="1356042" y="6057610"/>
+                  <a:pt x="0" y="4701568"/>
+                  <a:pt x="0" y="3028805"/>
+                </a:cubicBezTo>
+                <a:cubicBezTo>
+                  <a:pt x="0" y="1356042"/>
+                  <a:pt x="1356042" y="0"/>
+                  <a:pt x="3028805" y="0"/>
+                </a:cubicBezTo>
+                <a:close/>
+              </a:path>
+            </a:pathLst>
+          </a:custGeom>
+          <a:effectLst>
+            <a:softEdge rad="0"/>
+          </a:effectLst>
         </p:spPr>
       </p:pic>
       <p:pic>
         <p:nvPicPr>
-          <p:cNvPr id="3" name="Picture 2">
-            <a:extLst>
-              <a:ext uri="{FF2B5EF4-FFF2-40B4-BE49-F238E27FC236}">
-                <a16:creationId xmlns:a16="http://schemas.microsoft.com/office/drawing/2014/main" id="{DFF2F98C-78C1-40C0-A2C0-884E8CCE34D4}"/>
+          <p:cNvPr id="8" name="Picture 2" descr="Cypress.io">
+            <a:extLst>
+              <a:ext uri="{FF2B5EF4-FFF2-40B4-BE49-F238E27FC236}">
+                <a16:creationId xmlns:a16="http://schemas.microsoft.com/office/drawing/2014/main" id="{94B1CEC7-C8B7-4122-A18F-D8FEF64EAA41}"/>
               </a:ext>
             </a:extLst>
           </p:cNvPr>
           <p:cNvPicPr>
-            <a:picLocks noChangeAspect="1"/>
+            <a:picLocks noChangeAspect="1" noChangeArrowheads="1"/>
           </p:cNvPicPr>
           <p:nvPr/>
         </p:nvPicPr>
         <p:blipFill>
-          <a:blip r:embed="rId3"/>
+          <a:blip r:embed="rId4">
+            <a:extLst>
+              <a:ext uri="{28A0092B-C50C-407E-A947-70E740481C1C}">
+                <a14:useLocalDpi xmlns:a14="http://schemas.microsoft.com/office/drawing/2010/main" val="0"/>
+              </a:ext>
+            </a:extLst>
+          </a:blip>
           <a:stretch>
             <a:fillRect/>
           </a:stretch>
         </p:blipFill>
-        <p:spPr>
-          <a:xfrm>
-            <a:off x="382555" y="2246988"/>
-            <a:ext cx="5867400" cy="952500"/>
+        <p:spPr bwMode="auto">
+          <a:xfrm>
+            <a:off x="9263928" y="3790510"/>
+            <a:ext cx="1462088" cy="487362"/>
           </a:xfrm>
           <a:prstGeom prst="rect">
             <a:avLst/>
           </a:prstGeom>
+          <a:noFill/>
+          <a:extLst>
+            <a:ext uri="{909E8E84-426E-40DD-AFC4-6F175D3DCCD1}">
+              <a14:hiddenFill xmlns:a14="http://schemas.microsoft.com/office/drawing/2010/main">
+                <a:solidFill>
+                  <a:srgbClr val="FFFFFF"/>
+                </a:solidFill>
+              </a14:hiddenFill>
+            </a:ext>
+          </a:extLst>
         </p:spPr>
       </p:pic>
-      <p:pic>
-        <p:nvPicPr>
-          <p:cNvPr id="7" name="Picture 6">
-            <a:extLst>
-              <a:ext uri="{FF2B5EF4-FFF2-40B4-BE49-F238E27FC236}">
-                <a16:creationId xmlns:a16="http://schemas.microsoft.com/office/drawing/2014/main" id="{373CA8A3-E5BD-4E84-86A4-4CBC414D38E3}"/>
-              </a:ext>
-            </a:extLst>
-          </p:cNvPr>
-          <p:cNvPicPr>
-            <a:picLocks noChangeAspect="1"/>
-          </p:cNvPicPr>
-          <p:nvPr/>
-        </p:nvPicPr>
-        <p:blipFill>
-          <a:blip r:embed="rId4"/>
-          <a:stretch>
-            <a:fillRect/>
-          </a:stretch>
-        </p:blipFill>
-        <p:spPr>
-          <a:xfrm>
-            <a:off x="382555" y="4307206"/>
-            <a:ext cx="11163300" cy="2047875"/>
-          </a:xfrm>
-          <a:prstGeom prst="rect">
-            <a:avLst/>
-          </a:prstGeom>
-        </p:spPr>
-      </p:pic>
-    </p:spTree>
-    <p:extLst>
-      <p:ext uri="{BB962C8B-B14F-4D97-AF65-F5344CB8AC3E}">
-        <p14:creationId xmlns:p14="http://schemas.microsoft.com/office/powerpoint/2010/main" val="343590775"/>
-      </p:ext>
-    </p:extLst>
-  </p:cSld>
-  <p:clrMapOvr>
-    <a:masterClrMapping/>
-  </p:clrMapOvr>
-</p:sld>
-</file>
-
-<file path=ppt/slides/slide2.xml><?xml version="1.0" encoding="utf-8"?>
-<p:sld xmlns:a="http://schemas.openxmlformats.org/drawingml/2006/main" xmlns:r="http://schemas.openxmlformats.org/officeDocument/2006/relationships" xmlns:p="http://schemas.openxmlformats.org/presentationml/2006/main">
-  <p:cSld>
-    <p:spTree>
-      <p:nvGrpSpPr>
-        <p:cNvPr id="1" name=""/>
-        <p:cNvGrpSpPr/>
-        <p:nvPr/>
-      </p:nvGrpSpPr>
-      <p:grpSpPr>
-        <a:xfrm>
-          <a:off x="0" y="0"/>
-          <a:ext cx="0" cy="0"/>
-          <a:chOff x="0" y="0"/>
-          <a:chExt cx="0" cy="0"/>
-        </a:xfrm>
-      </p:grpSpPr>
-      <p:sp>
-        <p:nvSpPr>
-          <p:cNvPr id="2" name="Title 1">
-            <a:extLst>
-              <a:ext uri="{FF2B5EF4-FFF2-40B4-BE49-F238E27FC236}">
-                <a16:creationId xmlns:a16="http://schemas.microsoft.com/office/drawing/2014/main" id="{D7402B33-A415-4E19-8692-A62466E96933}"/>
-              </a:ext>
-            </a:extLst>
-          </p:cNvPr>
-          <p:cNvSpPr>
-            <a:spLocks noGrp="1"/>
-          </p:cNvSpPr>
-          <p:nvPr>
-            <p:ph type="title"/>
-          </p:nvPr>
-        </p:nvSpPr>
-        <p:spPr/>
-        <p:txBody>
-          <a:bodyPr/>
-          <a:lstStyle/>
-          <a:p>
-            <a:r>
-              <a:rPr lang="en-GB" dirty="0"/>
-              <a:t>Introduction</a:t>
-            </a:r>
-            <a:endParaRPr lang="en-NL" dirty="0"/>
-          </a:p>
-        </p:txBody>
-      </p:sp>
-      <p:sp>
-        <p:nvSpPr>
-          <p:cNvPr id="3" name="Content Placeholder 2">
-            <a:extLst>
-              <a:ext uri="{FF2B5EF4-FFF2-40B4-BE49-F238E27FC236}">
-                <a16:creationId xmlns:a16="http://schemas.microsoft.com/office/drawing/2014/main" id="{14629C02-C596-40B2-B0E1-F31F13E22747}"/>
-              </a:ext>
-            </a:extLst>
-          </p:cNvPr>
-          <p:cNvSpPr>
-            <a:spLocks noGrp="1"/>
-          </p:cNvSpPr>
-          <p:nvPr>
-            <p:ph idx="1"/>
-          </p:nvPr>
-        </p:nvSpPr>
-        <p:spPr/>
-        <p:txBody>
-          <a:bodyPr/>
-          <a:lstStyle/>
-          <a:p>
-            <a:r>
-              <a:rPr lang="en-GB" dirty="0"/>
-              <a:t>Who am I</a:t>
-            </a:r>
-          </a:p>
-          <a:p>
-            <a:pPr lvl="1"/>
-            <a:r>
-              <a:rPr lang="en-GB" dirty="0"/>
-              <a:t>Software Engineer 10+ years</a:t>
-            </a:r>
-          </a:p>
-          <a:p>
-            <a:pPr lvl="2"/>
-            <a:r>
-              <a:rPr lang="en-GB" dirty="0"/>
-              <a:t>so not a QA, but hoping I can still be relevant ;)</a:t>
-            </a:r>
-          </a:p>
-          <a:p>
-            <a:r>
-              <a:rPr lang="en-GB" dirty="0"/>
-              <a:t>What is the Goal of this presentation</a:t>
-            </a:r>
-          </a:p>
-          <a:p>
-            <a:pPr lvl="1"/>
-            <a:r>
-              <a:rPr lang="en-GB" dirty="0"/>
-              <a:t>Introduction to Cypress</a:t>
-            </a:r>
-          </a:p>
-          <a:p>
-            <a:pPr marL="914400" lvl="2" indent="0">
-              <a:buNone/>
-            </a:pPr>
-            <a:r>
-              <a:rPr lang="en-GB" dirty="0"/>
-              <a:t>Some of the common pitfalls and best practices</a:t>
-            </a:r>
-          </a:p>
-          <a:p>
-            <a:pPr lvl="1"/>
-            <a:r>
-              <a:rPr lang="en-GB" dirty="0"/>
-              <a:t>Design principles </a:t>
-            </a:r>
-          </a:p>
-          <a:p>
-            <a:pPr marL="914400" lvl="2" indent="0">
-              <a:buNone/>
-            </a:pPr>
-            <a:r>
-              <a:rPr lang="en-GB" i="1" dirty="0"/>
-              <a:t>Intended to make software designs more understandable, flexible and maintainable</a:t>
-            </a:r>
-          </a:p>
-          <a:p>
-            <a:pPr marL="914400" lvl="2" indent="0">
-              <a:buNone/>
-            </a:pPr>
-            <a:r>
-              <a:rPr lang="en-GB" dirty="0"/>
-              <a:t>My highlights</a:t>
-            </a:r>
-          </a:p>
-          <a:p>
-            <a:pPr lvl="1"/>
-            <a:r>
-              <a:rPr lang="en-GB" dirty="0"/>
-              <a:t>Case Study</a:t>
-            </a:r>
-          </a:p>
-          <a:p>
-            <a:pPr marL="914400" lvl="2" indent="0">
-              <a:buNone/>
-            </a:pPr>
-            <a:r>
-              <a:rPr lang="en-GB" i="1" dirty="0"/>
-              <a:t>Simplified example to make it feel real!</a:t>
-            </a:r>
-          </a:p>
-        </p:txBody>
-      </p:sp>
     </p:spTree>
     <p:extLst>
       <p:ext uri="{BB962C8B-B14F-4D97-AF65-F5344CB8AC3E}">
@@ -6041,7 +6219,7 @@
           <p:cNvPr id="2" name="Title 1">
             <a:extLst>
               <a:ext uri="{FF2B5EF4-FFF2-40B4-BE49-F238E27FC236}">
-                <a16:creationId xmlns:a16="http://schemas.microsoft.com/office/drawing/2014/main" id="{5765AF28-DFB1-4A2A-9A34-4F0CC72A7D99}"/>
+                <a16:creationId xmlns:a16="http://schemas.microsoft.com/office/drawing/2014/main" id="{599AD40E-190E-49E9-A0F6-739908CAF331}"/>
               </a:ext>
             </a:extLst>
           </p:cNvPr>
@@ -6059,7 +6237,7 @@
           <a:p>
             <a:r>
               <a:rPr lang="en-GB" dirty="0"/>
-              <a:t>The more you know</a:t>
+              <a:t>Better Options</a:t>
             </a:r>
             <a:endParaRPr lang="en-NL" dirty="0"/>
           </a:p>
@@ -6067,58 +6245,103 @@
       </p:sp>
       <p:sp>
         <p:nvSpPr>
-          <p:cNvPr id="3" name="Content Placeholder 2">
-            <a:extLst>
-              <a:ext uri="{FF2B5EF4-FFF2-40B4-BE49-F238E27FC236}">
-                <a16:creationId xmlns:a16="http://schemas.microsoft.com/office/drawing/2014/main" id="{C28EE493-0F52-43C2-8DD6-1A92C3E13D86}"/>
-              </a:ext>
-            </a:extLst>
-          </p:cNvPr>
-          <p:cNvSpPr>
-            <a:spLocks noGrp="1"/>
-          </p:cNvSpPr>
-          <p:nvPr>
-            <p:ph idx="1"/>
-          </p:nvPr>
-        </p:nvSpPr>
-        <p:spPr/>
-        <p:txBody>
-          <a:bodyPr/>
+          <p:cNvPr id="4" name="TextBox 3">
+            <a:extLst>
+              <a:ext uri="{FF2B5EF4-FFF2-40B4-BE49-F238E27FC236}">
+                <a16:creationId xmlns:a16="http://schemas.microsoft.com/office/drawing/2014/main" id="{5D7F4EA9-D833-4CCA-BF84-BDAE8FAE1705}"/>
+              </a:ext>
+            </a:extLst>
+          </p:cNvPr>
+          <p:cNvSpPr txBox="1"/>
+          <p:nvPr/>
+        </p:nvSpPr>
+        <p:spPr>
+          <a:xfrm>
+            <a:off x="382555" y="1397675"/>
+            <a:ext cx="6258958" cy="923330"/>
+          </a:xfrm>
+          <a:prstGeom prst="rect">
+            <a:avLst/>
+          </a:prstGeom>
+          <a:noFill/>
+        </p:spPr>
+        <p:txBody>
+          <a:bodyPr wrap="none" rtlCol="0">
+            <a:spAutoFit/>
+          </a:bodyPr>
           <a:lstStyle/>
           <a:p>
             <a:r>
-              <a:rPr lang="en-GB" dirty="0"/>
-              <a:t>Fetch not fully handled – but there is </a:t>
-            </a:r>
-            <a:r>
-              <a:rPr lang="en-GB" b="1" dirty="0" err="1"/>
-              <a:t>experimentalFetchPolyfill</a:t>
-            </a:r>
-            <a:endParaRPr lang="en-GB" b="1" dirty="0"/>
-          </a:p>
-          <a:p>
-            <a:endParaRPr lang="en-GB" b="1" dirty="0"/>
-          </a:p>
-          <a:p>
-            <a:endParaRPr lang="en-GB" b="1" dirty="0"/>
-          </a:p>
-          <a:p>
-            <a:endParaRPr lang="en-GB" b="1" dirty="0"/>
-          </a:p>
-          <a:p>
-            <a:r>
-              <a:rPr lang="en-GB" dirty="0"/>
-              <a:t>The default retry timeout can be overridden</a:t>
-            </a:r>
+              <a:rPr lang="en-GB" i="1" u="sng" dirty="0"/>
+              <a:t>Without mocking the data </a:t>
+            </a:r>
+            <a:r>
+              <a:rPr lang="en-GB" i="1" dirty="0"/>
+              <a:t>– just wait for the request to be made </a:t>
+            </a:r>
+          </a:p>
+          <a:p>
+            <a:r>
+              <a:rPr lang="en-GB" i="1" dirty="0"/>
+              <a:t>and respond (also gives it a name in the console)</a:t>
+            </a:r>
+          </a:p>
+          <a:p>
+            <a:endParaRPr lang="en-GB" dirty="0"/>
+          </a:p>
+        </p:txBody>
+      </p:sp>
+      <p:sp>
+        <p:nvSpPr>
+          <p:cNvPr id="5" name="TextBox 4">
+            <a:extLst>
+              <a:ext uri="{FF2B5EF4-FFF2-40B4-BE49-F238E27FC236}">
+                <a16:creationId xmlns:a16="http://schemas.microsoft.com/office/drawing/2014/main" id="{9DD70469-859B-4281-8F34-38007FF56565}"/>
+              </a:ext>
+            </a:extLst>
+          </p:cNvPr>
+          <p:cNvSpPr txBox="1"/>
+          <p:nvPr/>
+        </p:nvSpPr>
+        <p:spPr>
+          <a:xfrm>
+            <a:off x="382555" y="3508311"/>
+            <a:ext cx="5311775" cy="923330"/>
+          </a:xfrm>
+          <a:prstGeom prst="rect">
+            <a:avLst/>
+          </a:prstGeom>
+          <a:noFill/>
+        </p:spPr>
+        <p:txBody>
+          <a:bodyPr wrap="none" rtlCol="0">
+            <a:spAutoFit/>
+          </a:bodyPr>
+          <a:lstStyle/>
+          <a:p>
+            <a:r>
+              <a:rPr lang="en-GB" i="1" u="sng" dirty="0"/>
+              <a:t>With mock data</a:t>
+            </a:r>
+            <a:r>
+              <a:rPr lang="en-GB" i="1" dirty="0"/>
+              <a:t> you can do environment agnostic tests</a:t>
+            </a:r>
+          </a:p>
+          <a:p>
+            <a:endParaRPr lang="en-GB" dirty="0"/>
+          </a:p>
+          <a:p>
+            <a:endParaRPr lang="en-NL" dirty="0"/>
           </a:p>
         </p:txBody>
       </p:sp>
       <p:pic>
         <p:nvPicPr>
-          <p:cNvPr id="4" name="Picture 3">
-            <a:extLst>
-              <a:ext uri="{FF2B5EF4-FFF2-40B4-BE49-F238E27FC236}">
-                <a16:creationId xmlns:a16="http://schemas.microsoft.com/office/drawing/2014/main" id="{262F39EF-C683-468E-A385-8BDC2866B961}"/>
+          <p:cNvPr id="6" name="Picture 5">
+            <a:extLst>
+              <a:ext uri="{FF2B5EF4-FFF2-40B4-BE49-F238E27FC236}">
+                <a16:creationId xmlns:a16="http://schemas.microsoft.com/office/drawing/2014/main" id="{439F704F-6AF9-4F59-A226-7FD104462D9C}"/>
               </a:ext>
             </a:extLst>
           </p:cNvPr>
@@ -6129,13 +6352,73 @@
         </p:nvPicPr>
         <p:blipFill rotWithShape="1">
           <a:blip r:embed="rId2"/>
-          <a:srcRect b="62960"/>
+          <a:srcRect t="17340"/>
           <a:stretch/>
         </p:blipFill>
         <p:spPr>
           <a:xfrm>
-            <a:off x="3365436" y="2332361"/>
-            <a:ext cx="4248150" cy="1026659"/>
+            <a:off x="6564714" y="280389"/>
+            <a:ext cx="5627286" cy="3517169"/>
+          </a:xfrm>
+          <a:prstGeom prst="rect">
+            <a:avLst/>
+          </a:prstGeom>
+        </p:spPr>
+      </p:pic>
+      <p:pic>
+        <p:nvPicPr>
+          <p:cNvPr id="3" name="Picture 2">
+            <a:extLst>
+              <a:ext uri="{FF2B5EF4-FFF2-40B4-BE49-F238E27FC236}">
+                <a16:creationId xmlns:a16="http://schemas.microsoft.com/office/drawing/2014/main" id="{DFF2F98C-78C1-40C0-A2C0-884E8CCE34D4}"/>
+              </a:ext>
+            </a:extLst>
+          </p:cNvPr>
+          <p:cNvPicPr>
+            <a:picLocks noChangeAspect="1"/>
+          </p:cNvPicPr>
+          <p:nvPr/>
+        </p:nvPicPr>
+        <p:blipFill>
+          <a:blip r:embed="rId3"/>
+          <a:stretch>
+            <a:fillRect/>
+          </a:stretch>
+        </p:blipFill>
+        <p:spPr>
+          <a:xfrm>
+            <a:off x="382555" y="2246988"/>
+            <a:ext cx="5867400" cy="952500"/>
+          </a:xfrm>
+          <a:prstGeom prst="rect">
+            <a:avLst/>
+          </a:prstGeom>
+        </p:spPr>
+      </p:pic>
+      <p:pic>
+        <p:nvPicPr>
+          <p:cNvPr id="7" name="Picture 6">
+            <a:extLst>
+              <a:ext uri="{FF2B5EF4-FFF2-40B4-BE49-F238E27FC236}">
+                <a16:creationId xmlns:a16="http://schemas.microsoft.com/office/drawing/2014/main" id="{373CA8A3-E5BD-4E84-86A4-4CBC414D38E3}"/>
+              </a:ext>
+            </a:extLst>
+          </p:cNvPr>
+          <p:cNvPicPr>
+            <a:picLocks noChangeAspect="1"/>
+          </p:cNvPicPr>
+          <p:nvPr/>
+        </p:nvPicPr>
+        <p:blipFill>
+          <a:blip r:embed="rId4"/>
+          <a:stretch>
+            <a:fillRect/>
+          </a:stretch>
+        </p:blipFill>
+        <p:spPr>
+          <a:xfrm>
+            <a:off x="382555" y="4307206"/>
+            <a:ext cx="11163300" cy="2047875"/>
           </a:xfrm>
           <a:prstGeom prst="rect">
             <a:avLst/>
@@ -6145,7 +6428,7 @@
     </p:spTree>
     <p:extLst>
       <p:ext uri="{BB962C8B-B14F-4D97-AF65-F5344CB8AC3E}">
-        <p14:creationId xmlns:p14="http://schemas.microsoft.com/office/powerpoint/2010/main" val="2255008334"/>
+        <p14:creationId xmlns:p14="http://schemas.microsoft.com/office/powerpoint/2010/main" val="343590775"/>
       </p:ext>
     </p:extLst>
   </p:cSld>
@@ -6172,12 +6455,89 @@
           <a:chExt cx="0" cy="0"/>
         </a:xfrm>
       </p:grpSpPr>
+      <p:sp>
+        <p:nvSpPr>
+          <p:cNvPr id="2" name="Title 1">
+            <a:extLst>
+              <a:ext uri="{FF2B5EF4-FFF2-40B4-BE49-F238E27FC236}">
+                <a16:creationId xmlns:a16="http://schemas.microsoft.com/office/drawing/2014/main" id="{5765AF28-DFB1-4A2A-9A34-4F0CC72A7D99}"/>
+              </a:ext>
+            </a:extLst>
+          </p:cNvPr>
+          <p:cNvSpPr>
+            <a:spLocks noGrp="1"/>
+          </p:cNvSpPr>
+          <p:nvPr>
+            <p:ph type="title"/>
+          </p:nvPr>
+        </p:nvSpPr>
+        <p:spPr/>
+        <p:txBody>
+          <a:bodyPr/>
+          <a:lstStyle/>
+          <a:p>
+            <a:r>
+              <a:rPr lang="en-GB" dirty="0"/>
+              <a:t>The more you know</a:t>
+            </a:r>
+            <a:endParaRPr lang="en-NL" dirty="0"/>
+          </a:p>
+        </p:txBody>
+      </p:sp>
+      <p:sp>
+        <p:nvSpPr>
+          <p:cNvPr id="3" name="Content Placeholder 2">
+            <a:extLst>
+              <a:ext uri="{FF2B5EF4-FFF2-40B4-BE49-F238E27FC236}">
+                <a16:creationId xmlns:a16="http://schemas.microsoft.com/office/drawing/2014/main" id="{C28EE493-0F52-43C2-8DD6-1A92C3E13D86}"/>
+              </a:ext>
+            </a:extLst>
+          </p:cNvPr>
+          <p:cNvSpPr>
+            <a:spLocks noGrp="1"/>
+          </p:cNvSpPr>
+          <p:nvPr>
+            <p:ph idx="1"/>
+          </p:nvPr>
+        </p:nvSpPr>
+        <p:spPr/>
+        <p:txBody>
+          <a:bodyPr/>
+          <a:lstStyle/>
+          <a:p>
+            <a:r>
+              <a:rPr lang="en-GB" dirty="0"/>
+              <a:t>Fetch not fully handled – but there is </a:t>
+            </a:r>
+            <a:r>
+              <a:rPr lang="en-GB" b="1" dirty="0" err="1"/>
+              <a:t>experimentalFetchPolyfill</a:t>
+            </a:r>
+            <a:endParaRPr lang="en-GB" b="1" dirty="0"/>
+          </a:p>
+          <a:p>
+            <a:endParaRPr lang="en-GB" b="1" dirty="0"/>
+          </a:p>
+          <a:p>
+            <a:endParaRPr lang="en-GB" b="1" dirty="0"/>
+          </a:p>
+          <a:p>
+            <a:endParaRPr lang="en-GB" b="1" dirty="0"/>
+          </a:p>
+          <a:p>
+            <a:r>
+              <a:rPr lang="en-GB" dirty="0"/>
+              <a:t>The default retry timeout can be overridden</a:t>
+            </a:r>
+          </a:p>
+        </p:txBody>
+      </p:sp>
       <p:pic>
         <p:nvPicPr>
           <p:cNvPr id="4" name="Picture 3">
             <a:extLst>
               <a:ext uri="{FF2B5EF4-FFF2-40B4-BE49-F238E27FC236}">
-                <a16:creationId xmlns:a16="http://schemas.microsoft.com/office/drawing/2014/main" id="{E4C87A05-7DD9-42FD-A06E-2415DF76B164}"/>
+                <a16:creationId xmlns:a16="http://schemas.microsoft.com/office/drawing/2014/main" id="{262F39EF-C683-468E-A385-8BDC2866B961}"/>
               </a:ext>
             </a:extLst>
           </p:cNvPr>
@@ -6186,16 +6546,15 @@
           </p:cNvPicPr>
           <p:nvPr/>
         </p:nvPicPr>
-        <p:blipFill>
+        <p:blipFill rotWithShape="1">
           <a:blip r:embed="rId2"/>
-          <a:stretch>
-            <a:fillRect/>
-          </a:stretch>
+          <a:srcRect b="62960"/>
+          <a:stretch/>
         </p:blipFill>
         <p:spPr>
           <a:xfrm>
-            <a:off x="2224087" y="95250"/>
-            <a:ext cx="7743825" cy="6667500"/>
+            <a:off x="3365436" y="2332361"/>
+            <a:ext cx="4248150" cy="1026659"/>
           </a:xfrm>
           <a:prstGeom prst="rect">
             <a:avLst/>
@@ -6205,7 +6564,7 @@
     </p:spTree>
     <p:extLst>
       <p:ext uri="{BB962C8B-B14F-4D97-AF65-F5344CB8AC3E}">
-        <p14:creationId xmlns:p14="http://schemas.microsoft.com/office/powerpoint/2010/main" val="526142367"/>
+        <p14:creationId xmlns:p14="http://schemas.microsoft.com/office/powerpoint/2010/main" val="2255008334"/>
       </p:ext>
     </p:extLst>
   </p:cSld>
@@ -6234,10 +6593,10 @@
       </p:grpSpPr>
       <p:pic>
         <p:nvPicPr>
-          <p:cNvPr id="5" name="Picture 4">
-            <a:extLst>
-              <a:ext uri="{FF2B5EF4-FFF2-40B4-BE49-F238E27FC236}">
-                <a16:creationId xmlns:a16="http://schemas.microsoft.com/office/drawing/2014/main" id="{74CC713D-F956-4105-B237-AAD36650FDAD}"/>
+          <p:cNvPr id="4" name="Picture 3">
+            <a:extLst>
+              <a:ext uri="{FF2B5EF4-FFF2-40B4-BE49-F238E27FC236}">
+                <a16:creationId xmlns:a16="http://schemas.microsoft.com/office/drawing/2014/main" id="{E4C87A05-7DD9-42FD-A06E-2415DF76B164}"/>
               </a:ext>
             </a:extLst>
           </p:cNvPr>
@@ -6254,38 +6613,8 @@
         </p:blipFill>
         <p:spPr>
           <a:xfrm>
-            <a:off x="146665" y="339596"/>
-            <a:ext cx="6505575" cy="3752850"/>
-          </a:xfrm>
-          <a:prstGeom prst="rect">
-            <a:avLst/>
-          </a:prstGeom>
-        </p:spPr>
-      </p:pic>
-      <p:pic>
-        <p:nvPicPr>
-          <p:cNvPr id="7" name="Picture 6">
-            <a:extLst>
-              <a:ext uri="{FF2B5EF4-FFF2-40B4-BE49-F238E27FC236}">
-                <a16:creationId xmlns:a16="http://schemas.microsoft.com/office/drawing/2014/main" id="{EBBEB54E-4502-4A40-BB03-29144A2F1A26}"/>
-              </a:ext>
-            </a:extLst>
-          </p:cNvPr>
-          <p:cNvPicPr>
-            <a:picLocks noChangeAspect="1"/>
-          </p:cNvPicPr>
-          <p:nvPr/>
-        </p:nvPicPr>
-        <p:blipFill>
-          <a:blip r:embed="rId3"/>
-          <a:stretch>
-            <a:fillRect/>
-          </a:stretch>
-        </p:blipFill>
-        <p:spPr>
-          <a:xfrm>
-            <a:off x="4482485" y="2162272"/>
-            <a:ext cx="7562850" cy="4591050"/>
+            <a:off x="2224087" y="95250"/>
+            <a:ext cx="7743825" cy="6667500"/>
           </a:xfrm>
           <a:prstGeom prst="rect">
             <a:avLst/>
@@ -6295,7 +6624,7 @@
     </p:spTree>
     <p:extLst>
       <p:ext uri="{BB962C8B-B14F-4D97-AF65-F5344CB8AC3E}">
-        <p14:creationId xmlns:p14="http://schemas.microsoft.com/office/powerpoint/2010/main" val="1571781849"/>
+        <p14:creationId xmlns:p14="http://schemas.microsoft.com/office/powerpoint/2010/main" val="526142367"/>
       </p:ext>
     </p:extLst>
   </p:cSld>
@@ -6324,10 +6653,10 @@
       </p:grpSpPr>
       <p:pic>
         <p:nvPicPr>
-          <p:cNvPr id="4" name="Picture 3">
-            <a:extLst>
-              <a:ext uri="{FF2B5EF4-FFF2-40B4-BE49-F238E27FC236}">
-                <a16:creationId xmlns:a16="http://schemas.microsoft.com/office/drawing/2014/main" id="{0376BC17-90AC-4A72-99F6-E920554388A0}"/>
+          <p:cNvPr id="5" name="Picture 4">
+            <a:extLst>
+              <a:ext uri="{FF2B5EF4-FFF2-40B4-BE49-F238E27FC236}">
+                <a16:creationId xmlns:a16="http://schemas.microsoft.com/office/drawing/2014/main" id="{74CC713D-F956-4105-B237-AAD36650FDAD}"/>
               </a:ext>
             </a:extLst>
           </p:cNvPr>
@@ -6344,8 +6673,8 @@
         </p:blipFill>
         <p:spPr>
           <a:xfrm>
-            <a:off x="286916" y="272434"/>
-            <a:ext cx="7848600" cy="3476625"/>
+            <a:off x="146665" y="339596"/>
+            <a:ext cx="6505575" cy="3752850"/>
           </a:xfrm>
           <a:prstGeom prst="rect">
             <a:avLst/>
@@ -6354,10 +6683,10 @@
       </p:pic>
       <p:pic>
         <p:nvPicPr>
-          <p:cNvPr id="6" name="Picture 5">
-            <a:extLst>
-              <a:ext uri="{FF2B5EF4-FFF2-40B4-BE49-F238E27FC236}">
-                <a16:creationId xmlns:a16="http://schemas.microsoft.com/office/drawing/2014/main" id="{3E565986-77E3-4660-B0C7-8C6C2857A350}"/>
+          <p:cNvPr id="7" name="Picture 6">
+            <a:extLst>
+              <a:ext uri="{FF2B5EF4-FFF2-40B4-BE49-F238E27FC236}">
+                <a16:creationId xmlns:a16="http://schemas.microsoft.com/office/drawing/2014/main" id="{EBBEB54E-4502-4A40-BB03-29144A2F1A26}"/>
               </a:ext>
             </a:extLst>
           </p:cNvPr>
@@ -6374,8 +6703,8 @@
         </p:blipFill>
         <p:spPr>
           <a:xfrm>
-            <a:off x="4684940" y="4359826"/>
-            <a:ext cx="5695950" cy="1590675"/>
+            <a:off x="4482485" y="2162272"/>
+            <a:ext cx="7562850" cy="4591050"/>
           </a:xfrm>
           <a:prstGeom prst="rect">
             <a:avLst/>
@@ -6385,7 +6714,7 @@
     </p:spTree>
     <p:extLst>
       <p:ext uri="{BB962C8B-B14F-4D97-AF65-F5344CB8AC3E}">
-        <p14:creationId xmlns:p14="http://schemas.microsoft.com/office/powerpoint/2010/main" val="1789945034"/>
+        <p14:creationId xmlns:p14="http://schemas.microsoft.com/office/powerpoint/2010/main" val="1571781849"/>
       </p:ext>
     </p:extLst>
   </p:cSld>
@@ -6417,7 +6746,7 @@
           <p:cNvPr id="4" name="Picture 3">
             <a:extLst>
               <a:ext uri="{FF2B5EF4-FFF2-40B4-BE49-F238E27FC236}">
-                <a16:creationId xmlns:a16="http://schemas.microsoft.com/office/drawing/2014/main" id="{B46C9F2F-D9A6-4174-81D1-E00C88199680}"/>
+                <a16:creationId xmlns:a16="http://schemas.microsoft.com/office/drawing/2014/main" id="{0376BC17-90AC-4A72-99F6-E920554388A0}"/>
               </a:ext>
             </a:extLst>
           </p:cNvPr>
@@ -6434,8 +6763,38 @@
         </p:blipFill>
         <p:spPr>
           <a:xfrm>
-            <a:off x="1338262" y="1023937"/>
-            <a:ext cx="9515475" cy="4810125"/>
+            <a:off x="286916" y="272434"/>
+            <a:ext cx="7848600" cy="3476625"/>
+          </a:xfrm>
+          <a:prstGeom prst="rect">
+            <a:avLst/>
+          </a:prstGeom>
+        </p:spPr>
+      </p:pic>
+      <p:pic>
+        <p:nvPicPr>
+          <p:cNvPr id="6" name="Picture 5">
+            <a:extLst>
+              <a:ext uri="{FF2B5EF4-FFF2-40B4-BE49-F238E27FC236}">
+                <a16:creationId xmlns:a16="http://schemas.microsoft.com/office/drawing/2014/main" id="{3E565986-77E3-4660-B0C7-8C6C2857A350}"/>
+              </a:ext>
+            </a:extLst>
+          </p:cNvPr>
+          <p:cNvPicPr>
+            <a:picLocks noChangeAspect="1"/>
+          </p:cNvPicPr>
+          <p:nvPr/>
+        </p:nvPicPr>
+        <p:blipFill>
+          <a:blip r:embed="rId3"/>
+          <a:stretch>
+            <a:fillRect/>
+          </a:stretch>
+        </p:blipFill>
+        <p:spPr>
+          <a:xfrm>
+            <a:off x="4684940" y="4359826"/>
+            <a:ext cx="5695950" cy="1590675"/>
           </a:xfrm>
           <a:prstGeom prst="rect">
             <a:avLst/>
@@ -6445,7 +6804,7 @@
     </p:spTree>
     <p:extLst>
       <p:ext uri="{BB962C8B-B14F-4D97-AF65-F5344CB8AC3E}">
-        <p14:creationId xmlns:p14="http://schemas.microsoft.com/office/powerpoint/2010/main" val="4257836045"/>
+        <p14:creationId xmlns:p14="http://schemas.microsoft.com/office/powerpoint/2010/main" val="1789945034"/>
       </p:ext>
     </p:extLst>
   </p:cSld>
@@ -6472,100 +6831,40 @@
           <a:chExt cx="0" cy="0"/>
         </a:xfrm>
       </p:grpSpPr>
-      <p:sp>
-        <p:nvSpPr>
-          <p:cNvPr id="2" name="Title 1">
-            <a:extLst>
-              <a:ext uri="{FF2B5EF4-FFF2-40B4-BE49-F238E27FC236}">
-                <a16:creationId xmlns:a16="http://schemas.microsoft.com/office/drawing/2014/main" id="{2D541ED7-4657-462F-B0EF-67A7E67BD932}"/>
-              </a:ext>
-            </a:extLst>
-          </p:cNvPr>
-          <p:cNvSpPr>
-            <a:spLocks noGrp="1"/>
-          </p:cNvSpPr>
-          <p:nvPr>
-            <p:ph type="title"/>
-          </p:nvPr>
-        </p:nvSpPr>
-        <p:spPr/>
-        <p:txBody>
-          <a:bodyPr/>
-          <a:lstStyle/>
-          <a:p>
-            <a:r>
-              <a:rPr lang="en-GB" dirty="0"/>
-              <a:t>Best Practices</a:t>
-            </a:r>
-            <a:endParaRPr lang="en-NL" dirty="0"/>
-          </a:p>
-        </p:txBody>
-      </p:sp>
-      <p:sp>
-        <p:nvSpPr>
-          <p:cNvPr id="3" name="Content Placeholder 2">
-            <a:extLst>
-              <a:ext uri="{FF2B5EF4-FFF2-40B4-BE49-F238E27FC236}">
-                <a16:creationId xmlns:a16="http://schemas.microsoft.com/office/drawing/2014/main" id="{1266ACD5-9EBF-43EE-978A-DE72BFC2FDA9}"/>
-              </a:ext>
-            </a:extLst>
-          </p:cNvPr>
-          <p:cNvSpPr>
-            <a:spLocks noGrp="1"/>
-          </p:cNvSpPr>
-          <p:nvPr>
-            <p:ph idx="1"/>
-          </p:nvPr>
-        </p:nvSpPr>
-        <p:spPr/>
-        <p:txBody>
-          <a:bodyPr>
-            <a:normAutofit fontScale="92500" lnSpcReduction="10000"/>
-          </a:bodyPr>
-          <a:lstStyle/>
-          <a:p>
-            <a:r>
-              <a:rPr lang="en-GB" i="1" dirty="0"/>
-              <a:t>Cypress has a detailed list online I encourage you to check out, some are worth mentioning briefly and I will show some examples with will lead nicely into and introduction to some of the design patterns I find useful when writing Integration tests.</a:t>
-            </a:r>
-          </a:p>
-          <a:p>
-            <a:r>
-              <a:rPr lang="en-GB" dirty="0"/>
-              <a:t>Test in isolation</a:t>
-            </a:r>
-          </a:p>
-          <a:p>
-            <a:r>
-              <a:rPr lang="en-GB" dirty="0"/>
-              <a:t>Use data-* attributes to provide context to your selectors</a:t>
-            </a:r>
-          </a:p>
-          <a:p>
-            <a:r>
-              <a:rPr lang="en-GB" dirty="0"/>
-              <a:t>Tests should always be able to be run independently</a:t>
-            </a:r>
-          </a:p>
-          <a:p>
-            <a:r>
-              <a:rPr lang="en-GB" dirty="0"/>
-              <a:t>Integration Tests are not unit tests, assert multiple things, test entire flows * but some separation is essential to maintainability of the test project itself.</a:t>
-            </a:r>
-          </a:p>
-          <a:p>
-            <a:pPr lvl="1"/>
-            <a:r>
-              <a:rPr lang="en-GB" dirty="0"/>
-              <a:t>Cypress provides route aliases which can be mocked or awaited as necessary.</a:t>
-            </a:r>
-          </a:p>
-        </p:txBody>
-      </p:sp>
+      <p:pic>
+        <p:nvPicPr>
+          <p:cNvPr id="4" name="Picture 3">
+            <a:extLst>
+              <a:ext uri="{FF2B5EF4-FFF2-40B4-BE49-F238E27FC236}">
+                <a16:creationId xmlns:a16="http://schemas.microsoft.com/office/drawing/2014/main" id="{B46C9F2F-D9A6-4174-81D1-E00C88199680}"/>
+              </a:ext>
+            </a:extLst>
+          </p:cNvPr>
+          <p:cNvPicPr>
+            <a:picLocks noChangeAspect="1"/>
+          </p:cNvPicPr>
+          <p:nvPr/>
+        </p:nvPicPr>
+        <p:blipFill>
+          <a:blip r:embed="rId2"/>
+          <a:stretch>
+            <a:fillRect/>
+          </a:stretch>
+        </p:blipFill>
+        <p:spPr>
+          <a:xfrm>
+            <a:off x="1338262" y="1023937"/>
+            <a:ext cx="9515475" cy="4810125"/>
+          </a:xfrm>
+          <a:prstGeom prst="rect">
+            <a:avLst/>
+          </a:prstGeom>
+        </p:spPr>
+      </p:pic>
     </p:spTree>
     <p:extLst>
       <p:ext uri="{BB962C8B-B14F-4D97-AF65-F5344CB8AC3E}">
-        <p14:creationId xmlns:p14="http://schemas.microsoft.com/office/powerpoint/2010/main" val="464245853"/>
+        <p14:creationId xmlns:p14="http://schemas.microsoft.com/office/powerpoint/2010/main" val="4257836045"/>
       </p:ext>
     </p:extLst>
   </p:cSld>
@@ -6597,7 +6896,7 @@
           <p:cNvPr id="2" name="Title 1">
             <a:extLst>
               <a:ext uri="{FF2B5EF4-FFF2-40B4-BE49-F238E27FC236}">
-                <a16:creationId xmlns:a16="http://schemas.microsoft.com/office/drawing/2014/main" id="{B3874A94-55FD-4419-B22B-EE90B57698B1}"/>
+                <a16:creationId xmlns:a16="http://schemas.microsoft.com/office/drawing/2014/main" id="{2D541ED7-4657-462F-B0EF-67A7E67BD932}"/>
               </a:ext>
             </a:extLst>
           </p:cNvPr>
@@ -6610,135 +6909,82 @@
         </p:nvSpPr>
         <p:spPr/>
         <p:txBody>
+          <a:bodyPr/>
+          <a:lstStyle/>
+          <a:p>
+            <a:r>
+              <a:rPr lang="en-GB" dirty="0"/>
+              <a:t>Best Practices</a:t>
+            </a:r>
+            <a:endParaRPr lang="en-NL" dirty="0"/>
+          </a:p>
+        </p:txBody>
+      </p:sp>
+      <p:sp>
+        <p:nvSpPr>
+          <p:cNvPr id="3" name="Content Placeholder 2">
+            <a:extLst>
+              <a:ext uri="{FF2B5EF4-FFF2-40B4-BE49-F238E27FC236}">
+                <a16:creationId xmlns:a16="http://schemas.microsoft.com/office/drawing/2014/main" id="{1266ACD5-9EBF-43EE-978A-DE72BFC2FDA9}"/>
+              </a:ext>
+            </a:extLst>
+          </p:cNvPr>
+          <p:cNvSpPr>
+            <a:spLocks noGrp="1"/>
+          </p:cNvSpPr>
+          <p:nvPr>
+            <p:ph idx="1"/>
+          </p:nvPr>
+        </p:nvSpPr>
+        <p:spPr/>
+        <p:txBody>
           <a:bodyPr>
-            <a:normAutofit/>
+            <a:normAutofit fontScale="92500" lnSpcReduction="10000"/>
           </a:bodyPr>
           <a:lstStyle/>
           <a:p>
             <a:r>
+              <a:rPr lang="en-GB" i="1" dirty="0"/>
+              <a:t>Cypress has a detailed list online I encourage you to check out, some are worth mentioning briefly and I will show some examples with will lead nicely into and introduction to some of the design patterns I find useful when writing Integration tests.</a:t>
+            </a:r>
+          </a:p>
+          <a:p>
+            <a:r>
               <a:rPr lang="en-GB" dirty="0"/>
-              <a:t>Design Patterns</a:t>
-            </a:r>
-            <a:br>
-              <a:rPr lang="en-GB" i="1" dirty="0"/>
-            </a:br>
-            <a:r>
-              <a:rPr lang="en-GB" sz="2400" i="1" dirty="0"/>
-              <a:t>Intended to make software designs more understandable, flexible and maintainable</a:t>
-            </a:r>
-            <a:br>
-              <a:rPr lang="en-GB" sz="1000" i="1" dirty="0"/>
-            </a:br>
-            <a:endParaRPr lang="en-NL" sz="1000" i="1" dirty="0"/>
-          </a:p>
-        </p:txBody>
-      </p:sp>
-      <p:sp>
-        <p:nvSpPr>
-          <p:cNvPr id="3" name="Content Placeholder 2">
-            <a:extLst>
-              <a:ext uri="{FF2B5EF4-FFF2-40B4-BE49-F238E27FC236}">
-                <a16:creationId xmlns:a16="http://schemas.microsoft.com/office/drawing/2014/main" id="{BC6D6D89-127D-4800-9A29-5D48C62405DB}"/>
-              </a:ext>
-            </a:extLst>
-          </p:cNvPr>
-          <p:cNvSpPr>
-            <a:spLocks noGrp="1"/>
-          </p:cNvSpPr>
-          <p:nvPr>
-            <p:ph idx="1"/>
-          </p:nvPr>
-        </p:nvSpPr>
-        <p:spPr/>
-        <p:txBody>
-          <a:bodyPr>
-            <a:normAutofit fontScale="77500" lnSpcReduction="20000"/>
-          </a:bodyPr>
-          <a:lstStyle/>
-          <a:p>
-            <a:pPr marL="0" indent="0">
-              <a:buNone/>
-            </a:pPr>
+              <a:t>Test in isolation</a:t>
+            </a:r>
+          </a:p>
+          <a:p>
             <a:r>
               <a:rPr lang="en-GB" dirty="0"/>
-              <a:t>Understandable, Flexible and Maintainable</a:t>
-            </a:r>
-          </a:p>
-          <a:p>
-            <a:pPr marL="0" indent="0">
-              <a:buNone/>
-            </a:pPr>
+              <a:t>Use data-* attributes to provide context to your selectors</a:t>
+            </a:r>
+          </a:p>
+          <a:p>
             <a:r>
               <a:rPr lang="en-GB" dirty="0"/>
-              <a:t>Understandable – Keep it Simple &amp; Show me what you got</a:t>
-            </a:r>
-          </a:p>
-          <a:p>
-            <a:pPr marL="0" indent="0">
-              <a:buNone/>
-            </a:pPr>
+              <a:t>Tests should always be able to be run independently</a:t>
+            </a:r>
+          </a:p>
+          <a:p>
             <a:r>
               <a:rPr lang="en-GB" dirty="0"/>
-              <a:t>Flexible – Above + Good reusability, easy to extend + Flexible Tests (-Rigid Test)</a:t>
-            </a:r>
-          </a:p>
-          <a:p>
-            <a:pPr marL="0" indent="0">
-              <a:buNone/>
-            </a:pPr>
+              <a:t>Integration Tests are not unit tests, assert multiple things, test entire flows * but some separation is essential to maintainability of the test project itself.</a:t>
+            </a:r>
+          </a:p>
+          <a:p>
+            <a:pPr lvl="1"/>
             <a:r>
               <a:rPr lang="en-GB" dirty="0"/>
-              <a:t>Maintainable – All the above + Good Testing Coverage (not 100%)</a:t>
-            </a:r>
-          </a:p>
-          <a:p>
-            <a:pPr marL="0" indent="0">
-              <a:buNone/>
-            </a:pPr>
-            <a:endParaRPr lang="en-GB" dirty="0"/>
-          </a:p>
-          <a:p>
-            <a:pPr marL="0" indent="0">
-              <a:buNone/>
-            </a:pPr>
-            <a:r>
-              <a:rPr lang="en-GB" dirty="0"/>
-              <a:t>Breaking up the software into more manageable chunks – how you do this and balance it against code reusability and requirements is effectively the design of your system, </a:t>
-            </a:r>
-          </a:p>
-          <a:p>
-            <a:pPr marL="0" indent="0">
-              <a:buNone/>
-            </a:pPr>
-            <a:r>
-              <a:rPr lang="en-GB" dirty="0"/>
-              <a:t>Whether it is intentional, systematic and consistent throughout, an organic free for all or something in-between.</a:t>
-            </a:r>
-          </a:p>
-          <a:p>
-            <a:pPr marL="0" indent="0">
-              <a:buNone/>
-            </a:pPr>
-            <a:endParaRPr lang="en-GB" i="1" dirty="0"/>
-          </a:p>
-          <a:p>
-            <a:pPr marL="0" indent="0">
-              <a:buNone/>
-            </a:pPr>
-            <a:r>
-              <a:rPr lang="en-GB" i="1" dirty="0"/>
-              <a:t>Some food for thought the next time you are trying to decide whether to (yes) and how to (systematically) split up your next application. </a:t>
-            </a:r>
-          </a:p>
-          <a:p>
-            <a:endParaRPr lang="en-NL" dirty="0"/>
+              <a:t>Cypress provides route aliases which can be mocked or awaited as necessary.</a:t>
+            </a:r>
           </a:p>
         </p:txBody>
       </p:sp>
     </p:spTree>
     <p:extLst>
       <p:ext uri="{BB962C8B-B14F-4D97-AF65-F5344CB8AC3E}">
-        <p14:creationId xmlns:p14="http://schemas.microsoft.com/office/powerpoint/2010/main" val="3067026780"/>
+        <p14:creationId xmlns:p14="http://schemas.microsoft.com/office/powerpoint/2010/main" val="464245853"/>
       </p:ext>
     </p:extLst>
   </p:cSld>
@@ -6790,23 +7036,7 @@
           <a:p>
             <a:r>
               <a:rPr lang="en-GB" dirty="0"/>
-              <a:t>Design Patterns – </a:t>
-            </a:r>
-            <a:r>
-              <a:rPr lang="en-GB" b="1" dirty="0"/>
-              <a:t>SO</a:t>
-            </a:r>
-            <a:r>
-              <a:rPr lang="en-GB" i="1" dirty="0"/>
-              <a:t>L</a:t>
-            </a:r>
-            <a:r>
-              <a:rPr lang="en-GB" b="1" i="1" dirty="0"/>
-              <a:t>I</a:t>
-            </a:r>
-            <a:r>
-              <a:rPr lang="en-GB" i="1" dirty="0"/>
-              <a:t>D</a:t>
+              <a:t>Design Patterns</a:t>
             </a:r>
             <a:br>
               <a:rPr lang="en-GB" i="1" dirty="0"/>
@@ -6845,70 +7075,78 @@
           </a:bodyPr>
           <a:lstStyle/>
           <a:p>
+            <a:pPr marL="0" indent="0">
+              <a:buNone/>
+            </a:pPr>
             <a:r>
               <a:rPr lang="en-GB" dirty="0"/>
-              <a:t>Separation of Concerns</a:t>
-            </a:r>
-          </a:p>
-          <a:p>
-            <a:pPr lvl="1"/>
+              <a:t>Understandable, Flexible and Maintainable</a:t>
+            </a:r>
+          </a:p>
+          <a:p>
+            <a:pPr marL="0" indent="0">
+              <a:buNone/>
+            </a:pPr>
             <a:r>
               <a:rPr lang="en-GB" dirty="0"/>
-              <a:t>A class (or test) should only have a single responsibility, that is, only changes to one part of the software's specification should be able to affect the specification of the class (or test).</a:t>
-            </a:r>
-          </a:p>
-          <a:p>
-            <a:pPr lvl="1"/>
+              <a:t>Understandable – Keep it Simple &amp; Show me what you got</a:t>
+            </a:r>
+          </a:p>
+          <a:p>
+            <a:pPr marL="0" indent="0">
+              <a:buNone/>
+            </a:pPr>
+            <a:r>
+              <a:rPr lang="en-GB" dirty="0"/>
+              <a:t>Flexible – Above + Good reusability, easy to extend + Flexible Tests (-Rigid Test)</a:t>
+            </a:r>
+          </a:p>
+          <a:p>
+            <a:pPr marL="0" indent="0">
+              <a:buNone/>
+            </a:pPr>
+            <a:r>
+              <a:rPr lang="en-GB" dirty="0"/>
+              <a:t>Maintainable – All the above + Good Testing Coverage (not 100%)</a:t>
+            </a:r>
+          </a:p>
+          <a:p>
+            <a:pPr marL="0" indent="0">
+              <a:buNone/>
+            </a:pPr>
+            <a:endParaRPr lang="en-GB" dirty="0"/>
+          </a:p>
+          <a:p>
+            <a:pPr marL="0" indent="0">
+              <a:buNone/>
+            </a:pPr>
+            <a:r>
+              <a:rPr lang="en-GB" dirty="0"/>
+              <a:t>Breaking up the software into more manageable chunks – how you do this and balance it against code reusability and requirements is effectively the design of your system, </a:t>
+            </a:r>
+          </a:p>
+          <a:p>
+            <a:pPr marL="0" indent="0">
+              <a:buNone/>
+            </a:pPr>
+            <a:r>
+              <a:rPr lang="en-GB" dirty="0"/>
+              <a:t>Whether it is intentional, systematic and consistent throughout, an organic free for all or something in-between.</a:t>
+            </a:r>
+          </a:p>
+          <a:p>
+            <a:pPr marL="0" indent="0">
+              <a:buNone/>
+            </a:pPr>
+            <a:endParaRPr lang="en-GB" i="1" dirty="0"/>
+          </a:p>
+          <a:p>
+            <a:pPr marL="0" indent="0">
+              <a:buNone/>
+            </a:pPr>
             <a:r>
               <a:rPr lang="en-GB" i="1" dirty="0"/>
-              <a:t>In the instance of the test or spec file, we test a single software specification (flow/functionality) and isolate from external forces</a:t>
-            </a:r>
-          </a:p>
-          <a:p>
-            <a:r>
-              <a:rPr lang="en-GB" dirty="0"/>
-              <a:t>Open/Closed Principle</a:t>
-            </a:r>
-          </a:p>
-          <a:p>
-            <a:pPr lvl="1"/>
-            <a:r>
-              <a:rPr lang="en-GB" dirty="0"/>
-              <a:t>Open for extension, Closed for modification</a:t>
-            </a:r>
-          </a:p>
-          <a:p>
-            <a:pPr lvl="1"/>
-            <a:r>
-              <a:rPr lang="en-GB" dirty="0"/>
-              <a:t>I take this one a little more abstractly and try to think of it as, I should be able to add new functionality/tests without modifying any existing functionality/tests</a:t>
-            </a:r>
-          </a:p>
-          <a:p>
-            <a:pPr lvl="2"/>
-            <a:r>
-              <a:rPr lang="en-GB" dirty="0"/>
-              <a:t>i.e. shared functionality should be so generic it never changes, Utility classes are truly utilitarian, think like core language functionality or third party libraries.</a:t>
-            </a:r>
-          </a:p>
-          <a:p>
-            <a:pPr lvl="2"/>
-            <a:r>
-              <a:rPr lang="en-GB" dirty="0"/>
-              <a:t>Complex logic is kept to the lowest number of places possible (ideally all in the test)</a:t>
-            </a:r>
-          </a:p>
-          <a:p>
-            <a:r>
-              <a:rPr lang="en-GB" dirty="0"/>
-              <a:t>Interface-segregation principle (ISP) states that no client should be forced to depend on methods it does not use</a:t>
-            </a:r>
-          </a:p>
-          <a:p>
-            <a:pPr lvl="1"/>
-            <a:r>
-              <a:rPr lang="en-GB" dirty="0"/>
-              <a:t>For me this is about reducing the amount of cognitive load at any one time, make files such that I can look at it once and mentally tag it and dismiss it, so I can focus on the things important to the problem at hand.</a:t>
+              <a:t>Some food for thought the next time you are trying to decide whether to (yes) and how to (systematically) split up your next application. </a:t>
             </a:r>
           </a:p>
           <a:p>
@@ -6919,7 +7157,7 @@
     </p:spTree>
     <p:extLst>
       <p:ext uri="{BB962C8B-B14F-4D97-AF65-F5344CB8AC3E}">
-        <p14:creationId xmlns:p14="http://schemas.microsoft.com/office/powerpoint/2010/main" val="743647615"/>
+        <p14:creationId xmlns:p14="http://schemas.microsoft.com/office/powerpoint/2010/main" val="3067026780"/>
       </p:ext>
     </p:extLst>
   </p:cSld>
@@ -6951,7 +7189,7 @@
           <p:cNvPr id="2" name="Title 1">
             <a:extLst>
               <a:ext uri="{FF2B5EF4-FFF2-40B4-BE49-F238E27FC236}">
-                <a16:creationId xmlns:a16="http://schemas.microsoft.com/office/drawing/2014/main" id="{4BD432E3-D7F9-4AE8-AAE2-53B00A3333DA}"/>
+                <a16:creationId xmlns:a16="http://schemas.microsoft.com/office/drawing/2014/main" id="{B3874A94-55FD-4419-B22B-EE90B57698B1}"/>
               </a:ext>
             </a:extLst>
           </p:cNvPr>
@@ -6964,30 +7202,42 @@
         </p:nvSpPr>
         <p:spPr/>
         <p:txBody>
-          <a:bodyPr/>
+          <a:bodyPr>
+            <a:normAutofit/>
+          </a:bodyPr>
           <a:lstStyle/>
           <a:p>
             <a:r>
               <a:rPr lang="en-GB" dirty="0"/>
-              <a:t>Design Patterns - </a:t>
+              <a:t>Design Patterns – </a:t>
             </a:r>
             <a:r>
               <a:rPr lang="en-GB" b="1" dirty="0"/>
               <a:t>SO</a:t>
             </a:r>
             <a:r>
-              <a:rPr lang="en-GB" dirty="0"/>
+              <a:rPr lang="en-GB" i="1" dirty="0"/>
               <a:t>L</a:t>
             </a:r>
             <a:r>
-              <a:rPr lang="en-GB" b="1" dirty="0"/>
+              <a:rPr lang="en-GB" b="1" i="1" dirty="0"/>
               <a:t>I</a:t>
             </a:r>
             <a:r>
-              <a:rPr lang="en-GB" dirty="0"/>
+              <a:rPr lang="en-GB" i="1" dirty="0"/>
               <a:t>D</a:t>
             </a:r>
-            <a:endParaRPr lang="en-NL" dirty="0"/>
+            <a:br>
+              <a:rPr lang="en-GB" i="1" dirty="0"/>
+            </a:br>
+            <a:r>
+              <a:rPr lang="en-GB" sz="2400" i="1" dirty="0"/>
+              <a:t>Intended to make software designs more understandable, flexible and maintainable</a:t>
+            </a:r>
+            <a:br>
+              <a:rPr lang="en-GB" sz="1000" i="1" dirty="0"/>
+            </a:br>
+            <a:endParaRPr lang="en-NL" sz="1000" i="1" dirty="0"/>
           </a:p>
         </p:txBody>
       </p:sp>
@@ -6996,7 +7246,7 @@
           <p:cNvPr id="3" name="Content Placeholder 2">
             <a:extLst>
               <a:ext uri="{FF2B5EF4-FFF2-40B4-BE49-F238E27FC236}">
-                <a16:creationId xmlns:a16="http://schemas.microsoft.com/office/drawing/2014/main" id="{46DDD312-D7A2-4117-841F-EB124FEAEAF6}"/>
+                <a16:creationId xmlns:a16="http://schemas.microsoft.com/office/drawing/2014/main" id="{BC6D6D89-127D-4800-9A29-5D48C62405DB}"/>
               </a:ext>
             </a:extLst>
           </p:cNvPr>
@@ -7010,77 +7260,77 @@
         <p:spPr/>
         <p:txBody>
           <a:bodyPr>
-            <a:normAutofit fontScale="85000" lnSpcReduction="20000"/>
+            <a:normAutofit fontScale="77500" lnSpcReduction="20000"/>
           </a:bodyPr>
           <a:lstStyle/>
           <a:p>
             <a:r>
               <a:rPr lang="en-GB" dirty="0"/>
-              <a:t>It should be obvious to anyone reading the test what it does, what it tests and the steps it performs to do this </a:t>
+              <a:t>Separation of Concerns</a:t>
             </a:r>
           </a:p>
           <a:p>
             <a:pPr lvl="1"/>
             <a:r>
               <a:rPr lang="en-GB" dirty="0"/>
-              <a:t>Each test class is clearly named,</a:t>
+              <a:t>A class (or test) should only have a single responsibility, that is, only changes to one part of the software's specification should be able to affect the specification of the class (or test).</a:t>
             </a:r>
           </a:p>
           <a:p>
             <a:pPr lvl="1"/>
             <a:r>
+              <a:rPr lang="en-GB" i="1" dirty="0"/>
+              <a:t>In the instance of the test or spec file, we test a single software specification (flow/functionality) and isolate from external forces</a:t>
+            </a:r>
+          </a:p>
+          <a:p>
+            <a:r>
               <a:rPr lang="en-GB" dirty="0"/>
-              <a:t>Complexity can be abstracted away, but not too far away</a:t>
+              <a:t>Open/Closed Principle</a:t>
             </a:r>
           </a:p>
           <a:p>
             <a:pPr lvl="1"/>
             <a:r>
               <a:rPr lang="en-GB" dirty="0"/>
-              <a:t>Don’t abstract too soon, don’t abstract too late - YAGNI</a:t>
+              <a:t>Open for extension, Closed for modification</a:t>
+            </a:r>
+          </a:p>
+          <a:p>
+            <a:pPr lvl="1"/>
+            <a:r>
+              <a:rPr lang="en-GB" dirty="0"/>
+              <a:t>I take this one a little more abstractly and try to think of it as, I should be able to add new functionality/tests without modifying any existing functionality/tests</a:t>
             </a:r>
           </a:p>
           <a:p>
             <a:pPr lvl="2"/>
             <a:r>
               <a:rPr lang="en-GB" dirty="0"/>
-              <a:t>striking the right balance here is the difference between software that can’t be changed for fear it something will break and making software hard to understand (and often hard to extend)</a:t>
-            </a:r>
-          </a:p>
-          <a:p>
+              <a:t>i.e. shared functionality should be so generic it never changes, Utility classes are truly utilitarian, think like core language functionality or third party libraries.</a:t>
+            </a:r>
+          </a:p>
+          <a:p>
+            <a:pPr lvl="2"/>
             <a:r>
               <a:rPr lang="en-GB" dirty="0"/>
-              <a:t>It should be obvious to anyone looking at the solution files what functionality this solution provides and at these abstractly how it does this.</a:t>
+              <a:t>Complex logic is kept to the lowest number of places possible (ideally all in the test)</a:t>
+            </a:r>
+          </a:p>
+          <a:p>
+            <a:r>
+              <a:rPr lang="en-GB" dirty="0"/>
+              <a:t>Interface-segregation principle (ISP) states that no client should be forced to depend on methods it does not use</a:t>
             </a:r>
           </a:p>
           <a:p>
             <a:pPr lvl="1"/>
             <a:r>
               <a:rPr lang="en-GB" dirty="0"/>
-              <a:t>Shared functionality should be obvious</a:t>
-            </a:r>
-          </a:p>
-          <a:p>
-            <a:pPr lvl="1"/>
-            <a:r>
-              <a:rPr lang="en-GB" dirty="0"/>
-              <a:t>External dependencies likewise</a:t>
-            </a:r>
-          </a:p>
-          <a:p>
-            <a:r>
-              <a:rPr lang="en-GB" b="1" dirty="0"/>
-              <a:t>More files, sensibly grouped together are better than less badly named super files that do many things</a:t>
-            </a:r>
-            <a:r>
-              <a:rPr lang="en-GB" dirty="0"/>
-              <a:t>, even if it feels easier to add to an existing class, this should be avoided. **</a:t>
-            </a:r>
-          </a:p>
-          <a:p>
-            <a:pPr marL="0" indent="0">
-              <a:buNone/>
-            </a:pPr>
+              <a:t>For me this is about reducing the amount of cognitive load at any one time, make files such that I can look at it once and mentally tag it and dismiss it, so I can focus on the things important to the problem at hand.</a:t>
+            </a:r>
+          </a:p>
+          <a:p>
             <a:endParaRPr lang="en-NL" dirty="0"/>
           </a:p>
         </p:txBody>
@@ -7088,7 +7338,7 @@
     </p:spTree>
     <p:extLst>
       <p:ext uri="{BB962C8B-B14F-4D97-AF65-F5344CB8AC3E}">
-        <p14:creationId xmlns:p14="http://schemas.microsoft.com/office/powerpoint/2010/main" val="1173276239"/>
+        <p14:creationId xmlns:p14="http://schemas.microsoft.com/office/powerpoint/2010/main" val="743647615"/>
       </p:ext>
     </p:extLst>
   </p:cSld>
@@ -7115,40 +7365,149 @@
           <a:chExt cx="0" cy="0"/>
         </a:xfrm>
       </p:grpSpPr>
-      <p:pic>
-        <p:nvPicPr>
-          <p:cNvPr id="2" name="Picture 1">
-            <a:extLst>
-              <a:ext uri="{FF2B5EF4-FFF2-40B4-BE49-F238E27FC236}">
-                <a16:creationId xmlns:a16="http://schemas.microsoft.com/office/drawing/2014/main" id="{1D55F26F-20ED-401A-A36D-184A5F7F3F9E}"/>
-              </a:ext>
-            </a:extLst>
-          </p:cNvPr>
-          <p:cNvPicPr>
-            <a:picLocks noChangeAspect="1"/>
-          </p:cNvPicPr>
-          <p:nvPr/>
-        </p:nvPicPr>
-        <p:blipFill>
-          <a:blip r:embed="rId2"/>
-          <a:stretch>
-            <a:fillRect/>
-          </a:stretch>
-        </p:blipFill>
-        <p:spPr>
-          <a:xfrm>
-            <a:off x="2566987" y="776287"/>
-            <a:ext cx="7058025" cy="5305425"/>
-          </a:xfrm>
-          <a:prstGeom prst="rect">
-            <a:avLst/>
-          </a:prstGeom>
-        </p:spPr>
-      </p:pic>
+      <p:sp>
+        <p:nvSpPr>
+          <p:cNvPr id="2" name="Title 1">
+            <a:extLst>
+              <a:ext uri="{FF2B5EF4-FFF2-40B4-BE49-F238E27FC236}">
+                <a16:creationId xmlns:a16="http://schemas.microsoft.com/office/drawing/2014/main" id="{4BD432E3-D7F9-4AE8-AAE2-53B00A3333DA}"/>
+              </a:ext>
+            </a:extLst>
+          </p:cNvPr>
+          <p:cNvSpPr>
+            <a:spLocks noGrp="1"/>
+          </p:cNvSpPr>
+          <p:nvPr>
+            <p:ph type="title"/>
+          </p:nvPr>
+        </p:nvSpPr>
+        <p:spPr/>
+        <p:txBody>
+          <a:bodyPr/>
+          <a:lstStyle/>
+          <a:p>
+            <a:r>
+              <a:rPr lang="en-GB" dirty="0"/>
+              <a:t>Design Patterns - </a:t>
+            </a:r>
+            <a:r>
+              <a:rPr lang="en-GB" b="1" dirty="0"/>
+              <a:t>SO</a:t>
+            </a:r>
+            <a:r>
+              <a:rPr lang="en-GB" dirty="0"/>
+              <a:t>L</a:t>
+            </a:r>
+            <a:r>
+              <a:rPr lang="en-GB" b="1" dirty="0"/>
+              <a:t>I</a:t>
+            </a:r>
+            <a:r>
+              <a:rPr lang="en-GB" dirty="0"/>
+              <a:t>D</a:t>
+            </a:r>
+            <a:endParaRPr lang="en-NL" dirty="0"/>
+          </a:p>
+        </p:txBody>
+      </p:sp>
+      <p:sp>
+        <p:nvSpPr>
+          <p:cNvPr id="3" name="Content Placeholder 2">
+            <a:extLst>
+              <a:ext uri="{FF2B5EF4-FFF2-40B4-BE49-F238E27FC236}">
+                <a16:creationId xmlns:a16="http://schemas.microsoft.com/office/drawing/2014/main" id="{46DDD312-D7A2-4117-841F-EB124FEAEAF6}"/>
+              </a:ext>
+            </a:extLst>
+          </p:cNvPr>
+          <p:cNvSpPr>
+            <a:spLocks noGrp="1"/>
+          </p:cNvSpPr>
+          <p:nvPr>
+            <p:ph idx="1"/>
+          </p:nvPr>
+        </p:nvSpPr>
+        <p:spPr/>
+        <p:txBody>
+          <a:bodyPr>
+            <a:normAutofit fontScale="85000" lnSpcReduction="20000"/>
+          </a:bodyPr>
+          <a:lstStyle/>
+          <a:p>
+            <a:r>
+              <a:rPr lang="en-GB" dirty="0"/>
+              <a:t>It should be obvious to anyone reading the test what it does, what it tests and the steps it performs to do this </a:t>
+            </a:r>
+          </a:p>
+          <a:p>
+            <a:pPr lvl="1"/>
+            <a:r>
+              <a:rPr lang="en-GB" dirty="0"/>
+              <a:t>Each test class is clearly named,</a:t>
+            </a:r>
+          </a:p>
+          <a:p>
+            <a:pPr lvl="1"/>
+            <a:r>
+              <a:rPr lang="en-GB" dirty="0"/>
+              <a:t>Complexity can be abstracted away, but not too far away</a:t>
+            </a:r>
+          </a:p>
+          <a:p>
+            <a:pPr lvl="1"/>
+            <a:r>
+              <a:rPr lang="en-GB" dirty="0"/>
+              <a:t>Don’t abstract too soon, don’t abstract too late - YAGNI</a:t>
+            </a:r>
+          </a:p>
+          <a:p>
+            <a:pPr lvl="2"/>
+            <a:r>
+              <a:rPr lang="en-GB" dirty="0"/>
+              <a:t>striking the right balance here is the difference between software that can’t be changed for fear it something will break and making software hard to understand (and often hard to extend)</a:t>
+            </a:r>
+          </a:p>
+          <a:p>
+            <a:r>
+              <a:rPr lang="en-GB" dirty="0"/>
+              <a:t>It should be obvious to anyone looking at the solution files what functionality this solution provides and at these abstractly how it does this.</a:t>
+            </a:r>
+          </a:p>
+          <a:p>
+            <a:pPr lvl="1"/>
+            <a:r>
+              <a:rPr lang="en-GB" dirty="0"/>
+              <a:t>Shared functionality should be obvious</a:t>
+            </a:r>
+          </a:p>
+          <a:p>
+            <a:pPr lvl="1"/>
+            <a:r>
+              <a:rPr lang="en-GB" dirty="0"/>
+              <a:t>External dependencies likewise</a:t>
+            </a:r>
+          </a:p>
+          <a:p>
+            <a:r>
+              <a:rPr lang="en-GB" b="1" dirty="0"/>
+              <a:t>More files, sensibly grouped together are better than less badly named super files that do many things</a:t>
+            </a:r>
+            <a:r>
+              <a:rPr lang="en-GB" dirty="0"/>
+              <a:t>, even if it feels easier to add to an existing class, this should be avoided. **</a:t>
+            </a:r>
+          </a:p>
+          <a:p>
+            <a:pPr marL="0" indent="0">
+              <a:buNone/>
+            </a:pPr>
+            <a:endParaRPr lang="en-NL" dirty="0"/>
+          </a:p>
+        </p:txBody>
+      </p:sp>
     </p:spTree>
     <p:extLst>
       <p:ext uri="{BB962C8B-B14F-4D97-AF65-F5344CB8AC3E}">
-        <p14:creationId xmlns:p14="http://schemas.microsoft.com/office/powerpoint/2010/main" val="1428438364"/>
+        <p14:creationId xmlns:p14="http://schemas.microsoft.com/office/powerpoint/2010/main" val="1173276239"/>
       </p:ext>
     </p:extLst>
   </p:cSld>
@@ -7161,6 +7520,14 @@
 <file path=ppt/slides/slide3.xml><?xml version="1.0" encoding="utf-8"?>
 <p:sld xmlns:a="http://schemas.openxmlformats.org/drawingml/2006/main" xmlns:r="http://schemas.openxmlformats.org/officeDocument/2006/relationships" xmlns:p="http://schemas.openxmlformats.org/presentationml/2006/main">
   <p:cSld>
+    <p:bg>
+      <p:bgPr>
+        <a:solidFill>
+          <a:schemeClr val="bg1"/>
+        </a:solidFill>
+        <a:effectLst/>
+      </p:bgPr>
+    </p:bg>
     <p:spTree>
       <p:nvGrpSpPr>
         <p:cNvPr id="1" name=""/>
@@ -7191,92 +7558,109 @@
             <p:ph type="title"/>
           </p:nvPr>
         </p:nvSpPr>
-        <p:spPr/>
-        <p:txBody>
-          <a:bodyPr/>
-          <a:lstStyle/>
-          <a:p>
-            <a:r>
-              <a:rPr lang="en-GB" dirty="0"/>
-              <a:t>What is 			</a:t>
-            </a:r>
-            <a:endParaRPr lang="en-NL" dirty="0"/>
-          </a:p>
-        </p:txBody>
-      </p:sp>
-      <p:sp>
-        <p:nvSpPr>
-          <p:cNvPr id="4" name="Content Placeholder 3">
-            <a:extLst>
-              <a:ext uri="{FF2B5EF4-FFF2-40B4-BE49-F238E27FC236}">
-                <a16:creationId xmlns:a16="http://schemas.microsoft.com/office/drawing/2014/main" id="{6B8528C2-D17C-4389-B819-CE83960EE85C}"/>
-              </a:ext>
-            </a:extLst>
-          </p:cNvPr>
-          <p:cNvSpPr>
-            <a:spLocks noGrp="1"/>
-          </p:cNvSpPr>
-          <p:nvPr>
-            <p:ph idx="1"/>
-          </p:nvPr>
-        </p:nvSpPr>
-        <p:spPr/>
+        <p:spPr>
+          <a:xfrm>
+            <a:off x="1136428" y="627564"/>
+            <a:ext cx="7474172" cy="1325563"/>
+          </a:xfrm>
+        </p:spPr>
         <p:txBody>
           <a:bodyPr>
-            <a:normAutofit fontScale="92500" lnSpcReduction="10000"/>
+            <a:normAutofit/>
           </a:bodyPr>
           <a:lstStyle/>
           <a:p>
             <a:r>
-              <a:rPr lang="en-GB" dirty="0">
+              <a:rPr lang="en-GB" dirty="0"/>
+              <a:t>What is 	Cypress		</a:t>
+            </a:r>
+            <a:endParaRPr lang="en-NL" dirty="0"/>
+          </a:p>
+        </p:txBody>
+      </p:sp>
+      <p:sp>
+        <p:nvSpPr>
+          <p:cNvPr id="4" name="Content Placeholder 3">
+            <a:extLst>
+              <a:ext uri="{FF2B5EF4-FFF2-40B4-BE49-F238E27FC236}">
+                <a16:creationId xmlns:a16="http://schemas.microsoft.com/office/drawing/2014/main" id="{6B8528C2-D17C-4389-B819-CE83960EE85C}"/>
+              </a:ext>
+            </a:extLst>
+          </p:cNvPr>
+          <p:cNvSpPr>
+            <a:spLocks noGrp="1"/>
+          </p:cNvSpPr>
+          <p:nvPr>
+            <p:ph idx="1"/>
+          </p:nvPr>
+        </p:nvSpPr>
+        <p:spPr>
+          <a:xfrm>
+            <a:off x="1136429" y="2278173"/>
+            <a:ext cx="6467867" cy="3450613"/>
+          </a:xfrm>
+        </p:spPr>
+        <p:txBody>
+          <a:bodyPr anchor="ctr">
+            <a:noAutofit/>
+          </a:bodyPr>
+          <a:lstStyle/>
+          <a:p>
+            <a:endParaRPr lang="en-GB" sz="1600" dirty="0">
+              <a:hlinkClick r:id="rId2"/>
+            </a:endParaRPr>
+          </a:p>
+          <a:p>
+            <a:r>
+              <a:rPr lang="en-GB" sz="1600" dirty="0">
                 <a:hlinkClick r:id="rId2"/>
               </a:rPr>
               <a:t>https://www.cypress.io/</a:t>
             </a:r>
-            <a:endParaRPr lang="en-GB" dirty="0"/>
+            <a:endParaRPr lang="en-GB" sz="1600" dirty="0"/>
           </a:p>
           <a:p>
             <a:pPr lvl="1"/>
             <a:r>
-              <a:rPr lang="en-GB" dirty="0"/>
+              <a:rPr lang="en-GB" sz="1600" dirty="0"/>
               <a:t>The web has evolved. Finally, testing has too.</a:t>
             </a:r>
           </a:p>
           <a:p>
             <a:pPr lvl="1"/>
             <a:r>
-              <a:rPr lang="en-GB" dirty="0"/>
+              <a:rPr lang="en-GB" sz="1600" dirty="0"/>
               <a:t>Fast, easy and reliable testing for anything that runs in a browser.</a:t>
             </a:r>
           </a:p>
           <a:p>
             <a:r>
-              <a:rPr lang="en-GB" dirty="0"/>
+              <a:rPr lang="en-GB" sz="1600" dirty="0"/>
               <a:t>Cypress does not use Selenium.</a:t>
             </a:r>
           </a:p>
           <a:p>
             <a:r>
-              <a:rPr lang="en-GB" dirty="0"/>
-              <a:t>Currently, Cypress has support for Chrome-family browsers (including Electron) and beta support for Firefox browsers.</a:t>
-            </a:r>
-          </a:p>
-          <a:p>
-            <a:r>
-              <a:rPr lang="en-GB" dirty="0"/>
-              <a:t>Cypress tests runs fast.</a:t>
-            </a:r>
-          </a:p>
-          <a:p>
-            <a:r>
-              <a:rPr lang="en-GB" dirty="0"/>
+              <a:rPr lang="en-GB" sz="1600" dirty="0"/>
+              <a:t>Currently, Cypress has support for Chrome-family browsers (More coming)</a:t>
+            </a:r>
+          </a:p>
+          <a:p>
+            <a:r>
+              <a:rPr lang="en-GB" sz="1600" dirty="0"/>
+              <a:t>Cypress tests run fast.</a:t>
+            </a:r>
+          </a:p>
+          <a:p>
+            <a:r>
+              <a:rPr lang="en-GB" sz="1600" dirty="0"/>
               <a:t>Cypress is free however they do operate under a SaaS business model.</a:t>
             </a:r>
           </a:p>
           <a:p>
             <a:pPr lvl="1"/>
             <a:r>
-              <a:rPr lang="en-GB" dirty="0"/>
+              <a:rPr lang="en-GB" sz="1600" dirty="0"/>
               <a:t>While it is possible to run tests in parallel without the dashboard, it requires an amount of scripting and it would be difficult to match the integrated performance that cypress provides. (Essentially the service which distributes jobs across parallel runners is a paid for service, but running tests locally is free)</a:t>
             </a:r>
           </a:p>
@@ -7284,13 +7668,141 @@
             <a:pPr marL="457200" lvl="1" indent="0">
               <a:buNone/>
             </a:pPr>
-            <a:endParaRPr lang="en-GB" dirty="0"/>
+            <a:endParaRPr lang="en-GB" sz="1600" dirty="0"/>
           </a:p>
           <a:p>
             <a:pPr marL="457200" lvl="1" indent="0">
               <a:buNone/>
             </a:pPr>
-            <a:endParaRPr lang="en-GB" dirty="0"/>
+            <a:endParaRPr lang="en-GB" sz="1600" dirty="0"/>
+          </a:p>
+        </p:txBody>
+      </p:sp>
+      <p:sp>
+        <p:nvSpPr>
+          <p:cNvPr id="11" name="Rectangle 10">
+            <a:extLst>
+              <a:ext uri="{FF2B5EF4-FFF2-40B4-BE49-F238E27FC236}">
+                <a16:creationId xmlns:a16="http://schemas.microsoft.com/office/drawing/2014/main" id="{59A309A7-1751-4ABE-A3C1-EEC40366AD89}"/>
+              </a:ext>
+              <a:ext uri="{C183D7F6-B498-43B3-948B-1728B52AA6E4}">
+                <adec:decorative xmlns:adec="http://schemas.microsoft.com/office/drawing/2017/decorative" val="1"/>
+              </a:ext>
+            </a:extLst>
+          </p:cNvPr>
+          <p:cNvSpPr>
+            <a:spLocks noGrp="1" noRot="1" noChangeAspect="1" noMove="1" noResize="1" noEditPoints="1" noAdjustHandles="1" noChangeArrowheads="1" noChangeShapeType="1" noTextEdit="1"/>
+          </p:cNvSpPr>
+          <p:nvPr>
+            <p:extLst>
+              <p:ext uri="{386F3935-93C4-4BCD-93E2-E3B085C9AB24}">
+                <p16:designElem xmlns:p16="http://schemas.microsoft.com/office/powerpoint/2015/main" val="1"/>
+              </p:ext>
+            </p:extLst>
+          </p:nvPr>
+        </p:nvSpPr>
+        <p:spPr>
+          <a:xfrm>
+            <a:off x="10088880" y="0"/>
+            <a:ext cx="2103120" cy="6858000"/>
+          </a:xfrm>
+          <a:prstGeom prst="rect">
+            <a:avLst/>
+          </a:prstGeom>
+          <a:solidFill>
+            <a:schemeClr val="accent1"/>
+          </a:solidFill>
+          <a:ln>
+            <a:noFill/>
+          </a:ln>
+        </p:spPr>
+        <p:style>
+          <a:lnRef idx="2">
+            <a:schemeClr val="accent1">
+              <a:shade val="50000"/>
+            </a:schemeClr>
+          </a:lnRef>
+          <a:fillRef idx="1">
+            <a:schemeClr val="accent1"/>
+          </a:fillRef>
+          <a:effectRef idx="0">
+            <a:schemeClr val="accent1"/>
+          </a:effectRef>
+          <a:fontRef idx="minor">
+            <a:schemeClr val="lt1"/>
+          </a:fontRef>
+        </p:style>
+        <p:txBody>
+          <a:bodyPr rtlCol="0" anchor="ctr"/>
+          <a:lstStyle/>
+          <a:p>
+            <a:pPr algn="ctr"/>
+            <a:endParaRPr lang="en-US"/>
+          </a:p>
+        </p:txBody>
+      </p:sp>
+      <p:sp>
+        <p:nvSpPr>
+          <p:cNvPr id="13" name="Oval 12">
+            <a:extLst>
+              <a:ext uri="{FF2B5EF4-FFF2-40B4-BE49-F238E27FC236}">
+                <a16:creationId xmlns:a16="http://schemas.microsoft.com/office/drawing/2014/main" id="{967D8EB6-EAE1-4F9C-B398-83321E287204}"/>
+              </a:ext>
+              <a:ext uri="{C183D7F6-B498-43B3-948B-1728B52AA6E4}">
+                <adec:decorative xmlns:adec="http://schemas.microsoft.com/office/drawing/2017/decorative" val="1"/>
+              </a:ext>
+            </a:extLst>
+          </p:cNvPr>
+          <p:cNvSpPr>
+            <a:spLocks noGrp="1" noRot="1" noChangeAspect="1" noMove="1" noResize="1" noEditPoints="1" noAdjustHandles="1" noChangeArrowheads="1" noChangeShapeType="1" noTextEdit="1"/>
+          </p:cNvSpPr>
+          <p:nvPr>
+            <p:extLst>
+              <p:ext uri="{386F3935-93C4-4BCD-93E2-E3B085C9AB24}">
+                <p16:designElem xmlns:p16="http://schemas.microsoft.com/office/powerpoint/2015/main" val="1"/>
+              </p:ext>
+            </p:extLst>
+          </p:nvPr>
+        </p:nvSpPr>
+        <p:spPr>
+          <a:xfrm>
+            <a:off x="8915400" y="2358913"/>
+            <a:ext cx="2140172" cy="2140172"/>
+          </a:xfrm>
+          <a:prstGeom prst="ellipse">
+            <a:avLst/>
+          </a:prstGeom>
+          <a:solidFill>
+            <a:srgbClr val="FFFFFF"/>
+          </a:solidFill>
+          <a:ln w="22225">
+            <a:solidFill>
+              <a:schemeClr val="accent1"/>
+            </a:solidFill>
+          </a:ln>
+        </p:spPr>
+        <p:style>
+          <a:lnRef idx="2">
+            <a:schemeClr val="accent1">
+              <a:shade val="50000"/>
+            </a:schemeClr>
+          </a:lnRef>
+          <a:fillRef idx="1">
+            <a:schemeClr val="accent1"/>
+          </a:fillRef>
+          <a:effectRef idx="0">
+            <a:schemeClr val="accent1"/>
+          </a:effectRef>
+          <a:fontRef idx="minor">
+            <a:schemeClr val="lt1"/>
+          </a:fontRef>
+        </p:style>
+        <p:txBody>
+          <a:bodyPr rtlCol="0" anchor="ctr"/>
+          <a:lstStyle/>
+          <a:p>
+            <a:pPr algn="ctr"/>
+            <a:endParaRPr lang="en-US"/>
           </a:p>
         </p:txBody>
       </p:sp>
@@ -7316,15 +7828,14 @@
               </a:ext>
             </a:extLst>
           </a:blip>
-          <a:srcRect/>
           <a:stretch>
             <a:fillRect/>
           </a:stretch>
         </p:blipFill>
         <p:spPr bwMode="auto">
           <a:xfrm>
-            <a:off x="2687996" y="775881"/>
-            <a:ext cx="1787154" cy="595718"/>
+            <a:off x="9254442" y="3185319"/>
+            <a:ext cx="1462088" cy="487362"/>
           </a:xfrm>
           <a:prstGeom prst="rect">
             <a:avLst/>
@@ -7371,53 +7882,12 @@
           <a:chExt cx="0" cy="0"/>
         </a:xfrm>
       </p:grpSpPr>
-      <p:cxnSp>
-        <p:nvCxnSpPr>
-          <p:cNvPr id="12" name="Straight Connector 11">
-            <a:extLst>
-              <a:ext uri="{FF2B5EF4-FFF2-40B4-BE49-F238E27FC236}">
-                <a16:creationId xmlns:a16="http://schemas.microsoft.com/office/drawing/2014/main" id="{DD29D6B3-D8EF-4076-A5B9-93F8B14C9B39}"/>
-              </a:ext>
-            </a:extLst>
-          </p:cNvPr>
-          <p:cNvCxnSpPr/>
-          <p:nvPr/>
-        </p:nvCxnSpPr>
-        <p:spPr>
-          <a:xfrm>
-            <a:off x="643812" y="3041780"/>
-            <a:ext cx="2584580" cy="0"/>
-          </a:xfrm>
-          <a:prstGeom prst="line">
-            <a:avLst/>
-          </a:prstGeom>
-          <a:ln>
-            <a:solidFill>
-              <a:srgbClr val="C00000"/>
-            </a:solidFill>
-          </a:ln>
-        </p:spPr>
-        <p:style>
-          <a:lnRef idx="3">
-            <a:schemeClr val="accent1"/>
-          </a:lnRef>
-          <a:fillRef idx="0">
-            <a:schemeClr val="accent1"/>
-          </a:fillRef>
-          <a:effectRef idx="2">
-            <a:schemeClr val="accent1"/>
-          </a:effectRef>
-          <a:fontRef idx="minor">
-            <a:schemeClr val="tx1"/>
-          </a:fontRef>
-        </p:style>
-      </p:cxnSp>
       <p:pic>
         <p:nvPicPr>
-          <p:cNvPr id="13" name="Picture 12">
-            <a:extLst>
-              <a:ext uri="{FF2B5EF4-FFF2-40B4-BE49-F238E27FC236}">
-                <a16:creationId xmlns:a16="http://schemas.microsoft.com/office/drawing/2014/main" id="{C066B938-5426-4BEA-9552-239E326712EC}"/>
+          <p:cNvPr id="2" name="Picture 1">
+            <a:extLst>
+              <a:ext uri="{FF2B5EF4-FFF2-40B4-BE49-F238E27FC236}">
+                <a16:creationId xmlns:a16="http://schemas.microsoft.com/office/drawing/2014/main" id="{1D55F26F-20ED-401A-A36D-184A5F7F3F9E}"/>
               </a:ext>
             </a:extLst>
           </p:cNvPr>
@@ -7434,37 +7904,8 @@
         </p:blipFill>
         <p:spPr>
           <a:xfrm>
-            <a:off x="0" y="697975"/>
-            <a:ext cx="7240556" cy="5497552"/>
-          </a:xfrm>
-          <a:prstGeom prst="rect">
-            <a:avLst/>
-          </a:prstGeom>
-        </p:spPr>
-      </p:pic>
-      <p:pic>
-        <p:nvPicPr>
-          <p:cNvPr id="14" name="Picture 13">
-            <a:extLst>
-              <a:ext uri="{FF2B5EF4-FFF2-40B4-BE49-F238E27FC236}">
-                <a16:creationId xmlns:a16="http://schemas.microsoft.com/office/drawing/2014/main" id="{B4E94164-9412-4541-945B-E8809D739084}"/>
-              </a:ext>
-            </a:extLst>
-          </p:cNvPr>
-          <p:cNvPicPr>
-            <a:picLocks noChangeAspect="1"/>
-          </p:cNvPicPr>
-          <p:nvPr/>
-        </p:nvPicPr>
-        <p:blipFill rotWithShape="1">
-          <a:blip r:embed="rId3"/>
-          <a:srcRect l="-272" t="515" r="9889" b="-515"/>
-          <a:stretch/>
-        </p:blipFill>
-        <p:spPr>
-          <a:xfrm>
-            <a:off x="5481054" y="763896"/>
-            <a:ext cx="6710946" cy="5330208"/>
+            <a:off x="2566987" y="776287"/>
+            <a:ext cx="7058025" cy="5305425"/>
           </a:xfrm>
           <a:prstGeom prst="rect">
             <a:avLst/>
@@ -7474,7 +7915,7 @@
     </p:spTree>
     <p:extLst>
       <p:ext uri="{BB962C8B-B14F-4D97-AF65-F5344CB8AC3E}">
-        <p14:creationId xmlns:p14="http://schemas.microsoft.com/office/powerpoint/2010/main" val="1739588255"/>
+        <p14:creationId xmlns:p14="http://schemas.microsoft.com/office/powerpoint/2010/main" val="1428438364"/>
       </p:ext>
     </p:extLst>
   </p:cSld>
@@ -7501,12 +7942,53 @@
           <a:chExt cx="0" cy="0"/>
         </a:xfrm>
       </p:grpSpPr>
+      <p:cxnSp>
+        <p:nvCxnSpPr>
+          <p:cNvPr id="12" name="Straight Connector 11">
+            <a:extLst>
+              <a:ext uri="{FF2B5EF4-FFF2-40B4-BE49-F238E27FC236}">
+                <a16:creationId xmlns:a16="http://schemas.microsoft.com/office/drawing/2014/main" id="{DD29D6B3-D8EF-4076-A5B9-93F8B14C9B39}"/>
+              </a:ext>
+            </a:extLst>
+          </p:cNvPr>
+          <p:cNvCxnSpPr/>
+          <p:nvPr/>
+        </p:nvCxnSpPr>
+        <p:spPr>
+          <a:xfrm>
+            <a:off x="643812" y="3041780"/>
+            <a:ext cx="2584580" cy="0"/>
+          </a:xfrm>
+          <a:prstGeom prst="line">
+            <a:avLst/>
+          </a:prstGeom>
+          <a:ln>
+            <a:solidFill>
+              <a:srgbClr val="C00000"/>
+            </a:solidFill>
+          </a:ln>
+        </p:spPr>
+        <p:style>
+          <a:lnRef idx="3">
+            <a:schemeClr val="accent1"/>
+          </a:lnRef>
+          <a:fillRef idx="0">
+            <a:schemeClr val="accent1"/>
+          </a:fillRef>
+          <a:effectRef idx="2">
+            <a:schemeClr val="accent1"/>
+          </a:effectRef>
+          <a:fontRef idx="minor">
+            <a:schemeClr val="tx1"/>
+          </a:fontRef>
+        </p:style>
+      </p:cxnSp>
       <p:pic>
         <p:nvPicPr>
-          <p:cNvPr id="4" name="Picture 3">
-            <a:extLst>
-              <a:ext uri="{FF2B5EF4-FFF2-40B4-BE49-F238E27FC236}">
-                <a16:creationId xmlns:a16="http://schemas.microsoft.com/office/drawing/2014/main" id="{1E175120-DFAD-470F-8B4A-B911190EEF0C}"/>
+          <p:cNvPr id="13" name="Picture 12">
+            <a:extLst>
+              <a:ext uri="{FF2B5EF4-FFF2-40B4-BE49-F238E27FC236}">
+                <a16:creationId xmlns:a16="http://schemas.microsoft.com/office/drawing/2014/main" id="{C066B938-5426-4BEA-9552-239E326712EC}"/>
               </a:ext>
             </a:extLst>
           </p:cNvPr>
@@ -7523,8 +8005,37 @@
         </p:blipFill>
         <p:spPr>
           <a:xfrm>
-            <a:off x="1073885" y="0"/>
-            <a:ext cx="8346057" cy="6858000"/>
+            <a:off x="0" y="697975"/>
+            <a:ext cx="7240556" cy="5497552"/>
+          </a:xfrm>
+          <a:prstGeom prst="rect">
+            <a:avLst/>
+          </a:prstGeom>
+        </p:spPr>
+      </p:pic>
+      <p:pic>
+        <p:nvPicPr>
+          <p:cNvPr id="14" name="Picture 13">
+            <a:extLst>
+              <a:ext uri="{FF2B5EF4-FFF2-40B4-BE49-F238E27FC236}">
+                <a16:creationId xmlns:a16="http://schemas.microsoft.com/office/drawing/2014/main" id="{B4E94164-9412-4541-945B-E8809D739084}"/>
+              </a:ext>
+            </a:extLst>
+          </p:cNvPr>
+          <p:cNvPicPr>
+            <a:picLocks noChangeAspect="1"/>
+          </p:cNvPicPr>
+          <p:nvPr/>
+        </p:nvPicPr>
+        <p:blipFill rotWithShape="1">
+          <a:blip r:embed="rId3"/>
+          <a:srcRect l="-272" t="515" r="9889" b="-515"/>
+          <a:stretch/>
+        </p:blipFill>
+        <p:spPr>
+          <a:xfrm>
+            <a:off x="5481054" y="763896"/>
+            <a:ext cx="6710946" cy="5330208"/>
           </a:xfrm>
           <a:prstGeom prst="rect">
             <a:avLst/>
@@ -7534,7 +8045,7 @@
     </p:spTree>
     <p:extLst>
       <p:ext uri="{BB962C8B-B14F-4D97-AF65-F5344CB8AC3E}">
-        <p14:creationId xmlns:p14="http://schemas.microsoft.com/office/powerpoint/2010/main" val="59527236"/>
+        <p14:creationId xmlns:p14="http://schemas.microsoft.com/office/powerpoint/2010/main" val="1739588255"/>
       </p:ext>
     </p:extLst>
   </p:cSld>
@@ -7563,10 +8074,10 @@
       </p:grpSpPr>
       <p:pic>
         <p:nvPicPr>
-          <p:cNvPr id="2" name="Picture 1">
-            <a:extLst>
-              <a:ext uri="{FF2B5EF4-FFF2-40B4-BE49-F238E27FC236}">
-                <a16:creationId xmlns:a16="http://schemas.microsoft.com/office/drawing/2014/main" id="{4FF9D190-6202-4F79-B271-421607123FB1}"/>
+          <p:cNvPr id="4" name="Picture 3">
+            <a:extLst>
+              <a:ext uri="{FF2B5EF4-FFF2-40B4-BE49-F238E27FC236}">
+                <a16:creationId xmlns:a16="http://schemas.microsoft.com/office/drawing/2014/main" id="{1E175120-DFAD-470F-8B4A-B911190EEF0C}"/>
               </a:ext>
             </a:extLst>
           </p:cNvPr>
@@ -7583,8 +8094,8 @@
         </p:blipFill>
         <p:spPr>
           <a:xfrm>
-            <a:off x="0" y="0"/>
-            <a:ext cx="12192000" cy="6579463"/>
+            <a:off x="1073885" y="0"/>
+            <a:ext cx="8346057" cy="6858000"/>
           </a:xfrm>
           <a:prstGeom prst="rect">
             <a:avLst/>
@@ -7594,7 +8105,7 @@
     </p:spTree>
     <p:extLst>
       <p:ext uri="{BB962C8B-B14F-4D97-AF65-F5344CB8AC3E}">
-        <p14:creationId xmlns:p14="http://schemas.microsoft.com/office/powerpoint/2010/main" val="4165699859"/>
+        <p14:creationId xmlns:p14="http://schemas.microsoft.com/office/powerpoint/2010/main" val="59527236"/>
       </p:ext>
     </p:extLst>
   </p:cSld>
@@ -7626,6 +8137,66 @@
           <p:cNvPr id="2" name="Picture 1">
             <a:extLst>
               <a:ext uri="{FF2B5EF4-FFF2-40B4-BE49-F238E27FC236}">
+                <a16:creationId xmlns:a16="http://schemas.microsoft.com/office/drawing/2014/main" id="{4FF9D190-6202-4F79-B271-421607123FB1}"/>
+              </a:ext>
+            </a:extLst>
+          </p:cNvPr>
+          <p:cNvPicPr>
+            <a:picLocks noChangeAspect="1"/>
+          </p:cNvPicPr>
+          <p:nvPr/>
+        </p:nvPicPr>
+        <p:blipFill>
+          <a:blip r:embed="rId2"/>
+          <a:stretch>
+            <a:fillRect/>
+          </a:stretch>
+        </p:blipFill>
+        <p:spPr>
+          <a:xfrm>
+            <a:off x="0" y="0"/>
+            <a:ext cx="12192000" cy="6579463"/>
+          </a:xfrm>
+          <a:prstGeom prst="rect">
+            <a:avLst/>
+          </a:prstGeom>
+        </p:spPr>
+      </p:pic>
+    </p:spTree>
+    <p:extLst>
+      <p:ext uri="{BB962C8B-B14F-4D97-AF65-F5344CB8AC3E}">
+        <p14:creationId xmlns:p14="http://schemas.microsoft.com/office/powerpoint/2010/main" val="4165699859"/>
+      </p:ext>
+    </p:extLst>
+  </p:cSld>
+  <p:clrMapOvr>
+    <a:masterClrMapping/>
+  </p:clrMapOvr>
+</p:sld>
+</file>
+
+<file path=ppt/slides/slide34.xml><?xml version="1.0" encoding="utf-8"?>
+<p:sld xmlns:a="http://schemas.openxmlformats.org/drawingml/2006/main" xmlns:r="http://schemas.openxmlformats.org/officeDocument/2006/relationships" xmlns:p="http://schemas.openxmlformats.org/presentationml/2006/main">
+  <p:cSld>
+    <p:spTree>
+      <p:nvGrpSpPr>
+        <p:cNvPr id="1" name=""/>
+        <p:cNvGrpSpPr/>
+        <p:nvPr/>
+      </p:nvGrpSpPr>
+      <p:grpSpPr>
+        <a:xfrm>
+          <a:off x="0" y="0"/>
+          <a:ext cx="0" cy="0"/>
+          <a:chOff x="0" y="0"/>
+          <a:chExt cx="0" cy="0"/>
+        </a:xfrm>
+      </p:grpSpPr>
+      <p:pic>
+        <p:nvPicPr>
+          <p:cNvPr id="2" name="Picture 1">
+            <a:extLst>
+              <a:ext uri="{FF2B5EF4-FFF2-40B4-BE49-F238E27FC236}">
                 <a16:creationId xmlns:a16="http://schemas.microsoft.com/office/drawing/2014/main" id="{E980CD8A-70F4-42FE-A139-176E1A8A8F01}"/>
               </a:ext>
             </a:extLst>
@@ -7694,7 +8265,7 @@
 </p:sld>
 </file>
 
-<file path=ppt/slides/slide34.xml><?xml version="1.0" encoding="utf-8"?>
+<file path=ppt/slides/slide35.xml><?xml version="1.0" encoding="utf-8"?>
 <p:sld xmlns:a="http://schemas.openxmlformats.org/drawingml/2006/main" xmlns:r="http://schemas.openxmlformats.org/officeDocument/2006/relationships" xmlns:p="http://schemas.openxmlformats.org/presentationml/2006/main">
   <p:cSld>
     <p:spTree>
@@ -7886,12 +8457,65 @@
           <a:chExt cx="0" cy="0"/>
         </a:xfrm>
       </p:grpSpPr>
+      <p:sp>
+        <p:nvSpPr>
+          <p:cNvPr id="3" name="Title 1">
+            <a:extLst>
+              <a:ext uri="{FF2B5EF4-FFF2-40B4-BE49-F238E27FC236}">
+                <a16:creationId xmlns:a16="http://schemas.microsoft.com/office/drawing/2014/main" id="{54BBE8A4-B9C7-45A5-BE27-C2C1C7D5F600}"/>
+              </a:ext>
+            </a:extLst>
+          </p:cNvPr>
+          <p:cNvSpPr txBox="1">
+            <a:spLocks/>
+          </p:cNvSpPr>
+          <p:nvPr/>
+        </p:nvSpPr>
+        <p:spPr>
+          <a:xfrm>
+            <a:off x="838200" y="365125"/>
+            <a:ext cx="10515600" cy="1325563"/>
+          </a:xfrm>
+          <a:prstGeom prst="rect">
+            <a:avLst/>
+          </a:prstGeom>
+        </p:spPr>
+        <p:txBody>
+          <a:bodyPr/>
+          <a:lstStyle>
+            <a:lvl1pPr algn="l" defTabSz="914400" rtl="0" eaLnBrk="1" latinLnBrk="0" hangingPunct="1">
+              <a:lnSpc>
+                <a:spcPct val="90000"/>
+              </a:lnSpc>
+              <a:spcBef>
+                <a:spcPct val="0"/>
+              </a:spcBef>
+              <a:buNone/>
+              <a:defRPr sz="4400" kern="1200">
+                <a:solidFill>
+                  <a:schemeClr val="tx1"/>
+                </a:solidFill>
+                <a:latin typeface="+mj-lt"/>
+                <a:ea typeface="+mj-ea"/>
+                <a:cs typeface="+mj-cs"/>
+              </a:defRPr>
+            </a:lvl1pPr>
+          </a:lstStyle>
+          <a:p>
+            <a:r>
+              <a:rPr lang="en-GB" dirty="0"/>
+              <a:t>Total Test Recordings- What do we use</a:t>
+            </a:r>
+            <a:endParaRPr lang="en-NL" dirty="0"/>
+          </a:p>
+        </p:txBody>
+      </p:sp>
       <p:pic>
         <p:nvPicPr>
-          <p:cNvPr id="2" name="Picture 1">
-            <a:extLst>
-              <a:ext uri="{FF2B5EF4-FFF2-40B4-BE49-F238E27FC236}">
-                <a16:creationId xmlns:a16="http://schemas.microsoft.com/office/drawing/2014/main" id="{A631A64B-3D57-40E1-B0E7-CD515B69A98D}"/>
+          <p:cNvPr id="4" name="Picture 3">
+            <a:extLst>
+              <a:ext uri="{FF2B5EF4-FFF2-40B4-BE49-F238E27FC236}">
+                <a16:creationId xmlns:a16="http://schemas.microsoft.com/office/drawing/2014/main" id="{FB8A67D6-84DA-42DD-8FDA-A370DD8FE957}"/>
               </a:ext>
             </a:extLst>
           </p:cNvPr>
@@ -7902,13 +8526,42 @@
         </p:nvPicPr>
         <p:blipFill rotWithShape="1">
           <a:blip r:embed="rId2"/>
+          <a:srcRect l="58393" t="8503" b="28368"/>
+          <a:stretch/>
+        </p:blipFill>
+        <p:spPr>
+          <a:xfrm>
+            <a:off x="2668554" y="2127380"/>
+            <a:ext cx="9523445" cy="4063959"/>
+          </a:xfrm>
+          <a:prstGeom prst="rect">
+            <a:avLst/>
+          </a:prstGeom>
+        </p:spPr>
+      </p:pic>
+      <p:pic>
+        <p:nvPicPr>
+          <p:cNvPr id="2" name="Picture 1">
+            <a:extLst>
+              <a:ext uri="{FF2B5EF4-FFF2-40B4-BE49-F238E27FC236}">
+                <a16:creationId xmlns:a16="http://schemas.microsoft.com/office/drawing/2014/main" id="{A631A64B-3D57-40E1-B0E7-CD515B69A98D}"/>
+              </a:ext>
+            </a:extLst>
+          </p:cNvPr>
+          <p:cNvPicPr>
+            <a:picLocks noChangeAspect="1"/>
+          </p:cNvPicPr>
+          <p:nvPr/>
+        </p:nvPicPr>
+        <p:blipFill rotWithShape="1">
+          <a:blip r:embed="rId3"/>
           <a:srcRect l="50000" t="6685" b="27092"/>
           <a:stretch/>
         </p:blipFill>
         <p:spPr>
           <a:xfrm>
-            <a:off x="21811" y="279918"/>
-            <a:ext cx="12148378" cy="4525348"/>
+            <a:off x="155589" y="1167865"/>
+            <a:ext cx="8755145" cy="3261347"/>
           </a:xfrm>
           <a:prstGeom prst="rect">
             <a:avLst/>
@@ -7945,6 +8598,121 @@
           </a:sp3d>
         </p:spPr>
       </p:pic>
+      <p:pic>
+        <p:nvPicPr>
+          <p:cNvPr id="6" name="Picture 5">
+            <a:extLst>
+              <a:ext uri="{FF2B5EF4-FFF2-40B4-BE49-F238E27FC236}">
+                <a16:creationId xmlns:a16="http://schemas.microsoft.com/office/drawing/2014/main" id="{C7EB1965-4C6F-46EC-9457-502E95513EB9}"/>
+              </a:ext>
+            </a:extLst>
+          </p:cNvPr>
+          <p:cNvPicPr>
+            <a:picLocks noChangeAspect="1"/>
+          </p:cNvPicPr>
+          <p:nvPr/>
+        </p:nvPicPr>
+        <p:blipFill rotWithShape="1">
+          <a:blip r:embed="rId4"/>
+          <a:srcRect l="93774" t="49514" r="1723" b="40962"/>
+          <a:stretch/>
+        </p:blipFill>
+        <p:spPr>
+          <a:xfrm>
+            <a:off x="7053944" y="2353471"/>
+            <a:ext cx="2379306" cy="1415449"/>
+          </a:xfrm>
+          <a:prstGeom prst="rect">
+            <a:avLst/>
+          </a:prstGeom>
+        </p:spPr>
+      </p:pic>
+      <p:pic>
+        <p:nvPicPr>
+          <p:cNvPr id="7" name="Picture 6">
+            <a:extLst>
+              <a:ext uri="{FF2B5EF4-FFF2-40B4-BE49-F238E27FC236}">
+                <a16:creationId xmlns:a16="http://schemas.microsoft.com/office/drawing/2014/main" id="{F6FB4968-7A5D-4373-958A-407821AAB2F0}"/>
+              </a:ext>
+            </a:extLst>
+          </p:cNvPr>
+          <p:cNvPicPr>
+            <a:picLocks noChangeAspect="1"/>
+          </p:cNvPicPr>
+          <p:nvPr/>
+        </p:nvPicPr>
+        <p:blipFill rotWithShape="1">
+          <a:blip r:embed="rId2"/>
+          <a:srcRect l="93885" t="54111" r="2364" b="38207"/>
+          <a:stretch/>
+        </p:blipFill>
+        <p:spPr>
+          <a:xfrm>
+            <a:off x="9580032" y="4065652"/>
+            <a:ext cx="2611968" cy="1504723"/>
+          </a:xfrm>
+          <a:prstGeom prst="rect">
+            <a:avLst/>
+          </a:prstGeom>
+        </p:spPr>
+      </p:pic>
+      <p:pic>
+        <p:nvPicPr>
+          <p:cNvPr id="8" name="Picture 7">
+            <a:extLst>
+              <a:ext uri="{FF2B5EF4-FFF2-40B4-BE49-F238E27FC236}">
+                <a16:creationId xmlns:a16="http://schemas.microsoft.com/office/drawing/2014/main" id="{1E98C65A-7321-4D2E-862C-58B20095F667}"/>
+              </a:ext>
+            </a:extLst>
+          </p:cNvPr>
+          <p:cNvPicPr>
+            <a:picLocks noChangeAspect="1"/>
+          </p:cNvPicPr>
+          <p:nvPr/>
+        </p:nvPicPr>
+        <p:blipFill rotWithShape="1">
+          <a:blip r:embed="rId3"/>
+          <a:srcRect l="50000" t="6685" r="41382" b="27092"/>
+          <a:stretch/>
+        </p:blipFill>
+        <p:spPr>
+          <a:xfrm>
+            <a:off x="155587" y="1167865"/>
+            <a:ext cx="2529951" cy="5467827"/>
+          </a:xfrm>
+          <a:prstGeom prst="rect">
+            <a:avLst/>
+          </a:prstGeom>
+          <a:solidFill>
+            <a:srgbClr val="FFFFFF">
+              <a:shade val="85000"/>
+            </a:srgbClr>
+          </a:solidFill>
+          <a:ln w="88900" cap="sq">
+            <a:noFill/>
+            <a:miter lim="800000"/>
+          </a:ln>
+          <a:effectLst>
+            <a:outerShdw blurRad="55000" dist="18000" dir="5400000" algn="tl" rotWithShape="0">
+              <a:srgbClr val="000000">
+                <a:alpha val="40000"/>
+              </a:srgbClr>
+            </a:outerShdw>
+          </a:effectLst>
+          <a:scene3d>
+            <a:camera prst="orthographicFront"/>
+            <a:lightRig rig="twoPt" dir="t">
+              <a:rot lat="0" lon="0" rev="7200000"/>
+            </a:lightRig>
+          </a:scene3d>
+          <a:sp3d>
+            <a:bevelT w="25400" h="19050"/>
+            <a:contourClr>
+              <a:srgbClr val="FFFFFF"/>
+            </a:contourClr>
+          </a:sp3d>
+        </p:spPr>
+      </p:pic>
     </p:spTree>
     <p:extLst>
       <p:ext uri="{BB962C8B-B14F-4D97-AF65-F5344CB8AC3E}">
@@ -7975,6 +8743,134 @@
           <a:chExt cx="0" cy="0"/>
         </a:xfrm>
       </p:grpSpPr>
+      <p:pic>
+        <p:nvPicPr>
+          <p:cNvPr id="2" name="Picture 1">
+            <a:extLst>
+              <a:ext uri="{FF2B5EF4-FFF2-40B4-BE49-F238E27FC236}">
+                <a16:creationId xmlns:a16="http://schemas.microsoft.com/office/drawing/2014/main" id="{61DFA083-F456-40A4-BBF6-A8C4F729B538}"/>
+              </a:ext>
+            </a:extLst>
+          </p:cNvPr>
+          <p:cNvPicPr>
+            <a:picLocks noChangeAspect="1"/>
+          </p:cNvPicPr>
+          <p:nvPr/>
+        </p:nvPicPr>
+        <p:blipFill>
+          <a:blip r:embed="rId2"/>
+          <a:stretch>
+            <a:fillRect/>
+          </a:stretch>
+        </p:blipFill>
+        <p:spPr>
+          <a:xfrm>
+            <a:off x="0" y="1017895"/>
+            <a:ext cx="12192000" cy="4822209"/>
+          </a:xfrm>
+          <a:prstGeom prst="rect">
+            <a:avLst/>
+          </a:prstGeom>
+        </p:spPr>
+      </p:pic>
+    </p:spTree>
+    <p:extLst>
+      <p:ext uri="{BB962C8B-B14F-4D97-AF65-F5344CB8AC3E}">
+        <p14:creationId xmlns:p14="http://schemas.microsoft.com/office/powerpoint/2010/main" val="2003243713"/>
+      </p:ext>
+    </p:extLst>
+  </p:cSld>
+  <p:clrMapOvr>
+    <a:masterClrMapping/>
+  </p:clrMapOvr>
+</p:sld>
+</file>
+
+<file path=ppt/slides/slide7.xml><?xml version="1.0" encoding="utf-8"?>
+<p:sld xmlns:a="http://schemas.openxmlformats.org/drawingml/2006/main" xmlns:r="http://schemas.openxmlformats.org/officeDocument/2006/relationships" xmlns:p="http://schemas.openxmlformats.org/presentationml/2006/main">
+  <p:cSld>
+    <p:spTree>
+      <p:nvGrpSpPr>
+        <p:cNvPr id="1" name=""/>
+        <p:cNvGrpSpPr/>
+        <p:nvPr/>
+      </p:nvGrpSpPr>
+      <p:grpSpPr>
+        <a:xfrm>
+          <a:off x="0" y="0"/>
+          <a:ext cx="0" cy="0"/>
+          <a:chOff x="0" y="0"/>
+          <a:chExt cx="0" cy="0"/>
+        </a:xfrm>
+      </p:grpSpPr>
+      <p:pic>
+        <p:nvPicPr>
+          <p:cNvPr id="2" name="Picture 1">
+            <a:extLst>
+              <a:ext uri="{FF2B5EF4-FFF2-40B4-BE49-F238E27FC236}">
+                <a16:creationId xmlns:a16="http://schemas.microsoft.com/office/drawing/2014/main" id="{AEA1ADD1-0F4E-49CA-8912-7BB01C29BC20}"/>
+              </a:ext>
+            </a:extLst>
+          </p:cNvPr>
+          <p:cNvPicPr>
+            <a:picLocks noChangeAspect="1"/>
+          </p:cNvPicPr>
+          <p:nvPr/>
+        </p:nvPicPr>
+        <p:blipFill>
+          <a:blip r:embed="rId2"/>
+          <a:stretch>
+            <a:fillRect/>
+          </a:stretch>
+        </p:blipFill>
+        <p:spPr>
+          <a:xfrm>
+            <a:off x="0" y="956184"/>
+            <a:ext cx="12192000" cy="4945631"/>
+          </a:xfrm>
+          <a:prstGeom prst="rect">
+            <a:avLst/>
+          </a:prstGeom>
+        </p:spPr>
+      </p:pic>
+    </p:spTree>
+    <p:extLst>
+      <p:ext uri="{BB962C8B-B14F-4D97-AF65-F5344CB8AC3E}">
+        <p14:creationId xmlns:p14="http://schemas.microsoft.com/office/powerpoint/2010/main" val="3393692409"/>
+      </p:ext>
+    </p:extLst>
+  </p:cSld>
+  <p:clrMapOvr>
+    <a:masterClrMapping/>
+  </p:clrMapOvr>
+</p:sld>
+</file>
+
+<file path=ppt/slides/slide8.xml><?xml version="1.0" encoding="utf-8"?>
+<p:sld xmlns:a="http://schemas.openxmlformats.org/drawingml/2006/main" xmlns:r="http://schemas.openxmlformats.org/officeDocument/2006/relationships" xmlns:p="http://schemas.openxmlformats.org/presentationml/2006/main">
+  <p:cSld>
+    <p:bg>
+      <p:bgPr>
+        <a:solidFill>
+          <a:schemeClr val="bg1"/>
+        </a:solidFill>
+        <a:effectLst/>
+      </p:bgPr>
+    </p:bg>
+    <p:spTree>
+      <p:nvGrpSpPr>
+        <p:cNvPr id="1" name=""/>
+        <p:cNvGrpSpPr/>
+        <p:nvPr/>
+      </p:nvGrpSpPr>
+      <p:grpSpPr>
+        <a:xfrm>
+          <a:off x="0" y="0"/>
+          <a:ext cx="0" cy="0"/>
+          <a:chOff x="0" y="0"/>
+          <a:chExt cx="0" cy="0"/>
+        </a:xfrm>
+      </p:grpSpPr>
       <p:sp>
         <p:nvSpPr>
           <p:cNvPr id="2" name="Title 1">
@@ -7991,75 +8887,91 @@
             <p:ph type="title"/>
           </p:nvPr>
         </p:nvSpPr>
-        <p:spPr/>
-        <p:txBody>
-          <a:bodyPr/>
-          <a:lstStyle/>
-          <a:p>
-            <a:r>
-              <a:rPr lang="en-GB" dirty="0"/>
-              <a:t>Permanent trade-offs</a:t>
-            </a:r>
-            <a:endParaRPr lang="en-NL" dirty="0"/>
-          </a:p>
-        </p:txBody>
-      </p:sp>
-      <p:sp>
-        <p:nvSpPr>
-          <p:cNvPr id="3" name="Content Placeholder 2">
-            <a:extLst>
-              <a:ext uri="{FF2B5EF4-FFF2-40B4-BE49-F238E27FC236}">
-                <a16:creationId xmlns:a16="http://schemas.microsoft.com/office/drawing/2014/main" id="{CB3232BC-F1D0-4AD9-99C4-CE2D2F24EEE4}"/>
-              </a:ext>
-            </a:extLst>
-          </p:cNvPr>
-          <p:cNvSpPr>
-            <a:spLocks noGrp="1"/>
-          </p:cNvSpPr>
-          <p:nvPr>
-            <p:ph idx="1"/>
-          </p:nvPr>
-        </p:nvSpPr>
-        <p:spPr/>
+        <p:spPr>
+          <a:xfrm>
+            <a:off x="1136428" y="627564"/>
+            <a:ext cx="7474172" cy="1325563"/>
+          </a:xfrm>
+        </p:spPr>
         <p:txBody>
           <a:bodyPr>
-            <a:normAutofit fontScale="92500" lnSpcReduction="10000"/>
+            <a:normAutofit/>
           </a:bodyPr>
           <a:lstStyle/>
           <a:p>
             <a:r>
               <a:rPr lang="en-GB" dirty="0"/>
+              <a:t>What is cypress </a:t>
+            </a:r>
+            <a:r>
+              <a:rPr lang="en-GB" b="1" i="1" u="sng" dirty="0"/>
+              <a:t>not</a:t>
+            </a:r>
+            <a:endParaRPr lang="en-NL" b="1" i="1" u="sng" dirty="0"/>
+          </a:p>
+        </p:txBody>
+      </p:sp>
+      <p:sp>
+        <p:nvSpPr>
+          <p:cNvPr id="3" name="Content Placeholder 2">
+            <a:extLst>
+              <a:ext uri="{FF2B5EF4-FFF2-40B4-BE49-F238E27FC236}">
+                <a16:creationId xmlns:a16="http://schemas.microsoft.com/office/drawing/2014/main" id="{CB3232BC-F1D0-4AD9-99C4-CE2D2F24EEE4}"/>
+              </a:ext>
+            </a:extLst>
+          </p:cNvPr>
+          <p:cNvSpPr>
+            <a:spLocks noGrp="1"/>
+          </p:cNvSpPr>
+          <p:nvPr>
+            <p:ph idx="1"/>
+          </p:nvPr>
+        </p:nvSpPr>
+        <p:spPr>
+          <a:xfrm>
+            <a:off x="1136429" y="2278173"/>
+            <a:ext cx="6467867" cy="3450613"/>
+          </a:xfrm>
+        </p:spPr>
+        <p:txBody>
+          <a:bodyPr anchor="ctr">
+            <a:noAutofit/>
+          </a:bodyPr>
+          <a:lstStyle/>
+          <a:p>
+            <a:r>
+              <a:rPr lang="en-GB" sz="1600" dirty="0"/>
               <a:t>Cypress is not a general purpose automation tool.</a:t>
             </a:r>
           </a:p>
           <a:p>
             <a:r>
-              <a:rPr lang="en-GB" dirty="0"/>
+              <a:rPr lang="en-GB" sz="1600" dirty="0"/>
               <a:t>Cypress commands run inside of a browser.</a:t>
             </a:r>
           </a:p>
           <a:p>
             <a:r>
-              <a:rPr lang="en-GB" dirty="0"/>
+              <a:rPr lang="en-GB" sz="1600" dirty="0"/>
               <a:t>There will never be support for multiple browser tabs.</a:t>
             </a:r>
           </a:p>
           <a:p>
             <a:r>
-              <a:rPr lang="en-GB" dirty="0"/>
+              <a:rPr lang="en-GB" sz="1600" dirty="0"/>
               <a:t>You cannot use Cypress to drive two browsers at the same time.</a:t>
             </a:r>
           </a:p>
           <a:p>
             <a:r>
-              <a:rPr lang="en-GB" dirty="0"/>
+              <a:rPr lang="en-GB" sz="1600" dirty="0"/>
               <a:t>Each test is bound to a single origin.</a:t>
             </a:r>
           </a:p>
           <a:p>
             <a:pPr lvl="1"/>
             <a:r>
-              <a:rPr lang="en-GB" dirty="0"/>
+              <a:rPr lang="en-GB" sz="1600" dirty="0"/>
               <a:t>Two URLs have the same origin if the protocol, port (if specified), and host are the same for both. </a:t>
             </a:r>
           </a:p>
@@ -8068,34 +8980,208 @@
               <a:buNone/>
             </a:pPr>
             <a:r>
-              <a:rPr lang="en-GB" dirty="0"/>
+              <a:rPr lang="en-GB" sz="1600" dirty="0"/>
               <a:t>e.g. compared to https://www.cypress.io</a:t>
             </a:r>
           </a:p>
           <a:p>
             <a:pPr lvl="1"/>
             <a:r>
-              <a:rPr lang="en-GB" dirty="0"/>
+              <a:rPr lang="en-GB" sz="1600" dirty="0"/>
               <a:t>https://cypress.io</a:t>
             </a:r>
           </a:p>
           <a:p>
             <a:pPr lvl="1"/>
             <a:r>
-              <a:rPr lang="en-GB" dirty="0"/>
+              <a:rPr lang="en-GB" sz="1600" dirty="0"/>
               <a:t>https://docs.cypress.io</a:t>
             </a:r>
           </a:p>
           <a:p>
             <a:pPr lvl="1"/>
             <a:r>
-              <a:rPr lang="en-GB" dirty="0"/>
+              <a:rPr lang="en-GB" sz="1600" dirty="0"/>
               <a:t>https://example.cypress.io/commands/querying</a:t>
             </a:r>
-            <a:endParaRPr lang="en-NL" dirty="0"/>
-          </a:p>
-        </p:txBody>
-      </p:sp>
+            <a:endParaRPr lang="en-NL" sz="1600" dirty="0"/>
+          </a:p>
+        </p:txBody>
+      </p:sp>
+      <p:sp>
+        <p:nvSpPr>
+          <p:cNvPr id="9" name="Rectangle 8">
+            <a:extLst>
+              <a:ext uri="{FF2B5EF4-FFF2-40B4-BE49-F238E27FC236}">
+                <a16:creationId xmlns:a16="http://schemas.microsoft.com/office/drawing/2014/main" id="{59A309A7-1751-4ABE-A3C1-EEC40366AD89}"/>
+              </a:ext>
+              <a:ext uri="{C183D7F6-B498-43B3-948B-1728B52AA6E4}">
+                <adec:decorative xmlns:adec="http://schemas.microsoft.com/office/drawing/2017/decorative" val="1"/>
+              </a:ext>
+            </a:extLst>
+          </p:cNvPr>
+          <p:cNvSpPr>
+            <a:spLocks noGrp="1" noRot="1" noChangeAspect="1" noMove="1" noResize="1" noEditPoints="1" noAdjustHandles="1" noChangeArrowheads="1" noChangeShapeType="1" noTextEdit="1"/>
+          </p:cNvSpPr>
+          <p:nvPr>
+            <p:extLst>
+              <p:ext uri="{386F3935-93C4-4BCD-93E2-E3B085C9AB24}">
+                <p16:designElem xmlns:p16="http://schemas.microsoft.com/office/powerpoint/2015/main" val="1"/>
+              </p:ext>
+            </p:extLst>
+          </p:nvPr>
+        </p:nvSpPr>
+        <p:spPr>
+          <a:xfrm>
+            <a:off x="10088880" y="0"/>
+            <a:ext cx="2103120" cy="6858000"/>
+          </a:xfrm>
+          <a:prstGeom prst="rect">
+            <a:avLst/>
+          </a:prstGeom>
+          <a:solidFill>
+            <a:schemeClr val="accent1"/>
+          </a:solidFill>
+          <a:ln>
+            <a:noFill/>
+          </a:ln>
+        </p:spPr>
+        <p:style>
+          <a:lnRef idx="2">
+            <a:schemeClr val="accent1">
+              <a:shade val="50000"/>
+            </a:schemeClr>
+          </a:lnRef>
+          <a:fillRef idx="1">
+            <a:schemeClr val="accent1"/>
+          </a:fillRef>
+          <a:effectRef idx="0">
+            <a:schemeClr val="accent1"/>
+          </a:effectRef>
+          <a:fontRef idx="minor">
+            <a:schemeClr val="lt1"/>
+          </a:fontRef>
+        </p:style>
+        <p:txBody>
+          <a:bodyPr rtlCol="0" anchor="ctr"/>
+          <a:lstStyle/>
+          <a:p>
+            <a:pPr algn="ctr"/>
+            <a:endParaRPr lang="en-US"/>
+          </a:p>
+        </p:txBody>
+      </p:sp>
+      <p:sp>
+        <p:nvSpPr>
+          <p:cNvPr id="11" name="Oval 10">
+            <a:extLst>
+              <a:ext uri="{FF2B5EF4-FFF2-40B4-BE49-F238E27FC236}">
+                <a16:creationId xmlns:a16="http://schemas.microsoft.com/office/drawing/2014/main" id="{967D8EB6-EAE1-4F9C-B398-83321E287204}"/>
+              </a:ext>
+              <a:ext uri="{C183D7F6-B498-43B3-948B-1728B52AA6E4}">
+                <adec:decorative xmlns:adec="http://schemas.microsoft.com/office/drawing/2017/decorative" val="1"/>
+              </a:ext>
+            </a:extLst>
+          </p:cNvPr>
+          <p:cNvSpPr>
+            <a:spLocks noGrp="1" noRot="1" noChangeAspect="1" noMove="1" noResize="1" noEditPoints="1" noAdjustHandles="1" noChangeArrowheads="1" noChangeShapeType="1" noTextEdit="1"/>
+          </p:cNvSpPr>
+          <p:nvPr>
+            <p:extLst>
+              <p:ext uri="{386F3935-93C4-4BCD-93E2-E3B085C9AB24}">
+                <p16:designElem xmlns:p16="http://schemas.microsoft.com/office/powerpoint/2015/main" val="1"/>
+              </p:ext>
+            </p:extLst>
+          </p:nvPr>
+        </p:nvSpPr>
+        <p:spPr>
+          <a:xfrm>
+            <a:off x="8915400" y="2358913"/>
+            <a:ext cx="2140172" cy="2140172"/>
+          </a:xfrm>
+          <a:prstGeom prst="ellipse">
+            <a:avLst/>
+          </a:prstGeom>
+          <a:solidFill>
+            <a:srgbClr val="FFFFFF"/>
+          </a:solidFill>
+          <a:ln w="22225">
+            <a:solidFill>
+              <a:schemeClr val="accent1"/>
+            </a:solidFill>
+          </a:ln>
+        </p:spPr>
+        <p:style>
+          <a:lnRef idx="2">
+            <a:schemeClr val="accent1">
+              <a:shade val="50000"/>
+            </a:schemeClr>
+          </a:lnRef>
+          <a:fillRef idx="1">
+            <a:schemeClr val="accent1"/>
+          </a:fillRef>
+          <a:effectRef idx="0">
+            <a:schemeClr val="accent1"/>
+          </a:effectRef>
+          <a:fontRef idx="minor">
+            <a:schemeClr val="lt1"/>
+          </a:fontRef>
+        </p:style>
+        <p:txBody>
+          <a:bodyPr rtlCol="0" anchor="ctr"/>
+          <a:lstStyle/>
+          <a:p>
+            <a:pPr algn="ctr"/>
+            <a:endParaRPr lang="en-US"/>
+          </a:p>
+        </p:txBody>
+      </p:sp>
+      <p:pic>
+        <p:nvPicPr>
+          <p:cNvPr id="4" name="Picture 2" descr="Cypress.io">
+            <a:extLst>
+              <a:ext uri="{FF2B5EF4-FFF2-40B4-BE49-F238E27FC236}">
+                <a16:creationId xmlns:a16="http://schemas.microsoft.com/office/drawing/2014/main" id="{0A926945-F77C-4CD3-BE6B-8AA260FF5405}"/>
+              </a:ext>
+            </a:extLst>
+          </p:cNvPr>
+          <p:cNvPicPr>
+            <a:picLocks noChangeAspect="1" noChangeArrowheads="1"/>
+          </p:cNvPicPr>
+          <p:nvPr/>
+        </p:nvPicPr>
+        <p:blipFill>
+          <a:blip r:embed="rId2">
+            <a:extLst>
+              <a:ext uri="{28A0092B-C50C-407E-A947-70E740481C1C}">
+                <a14:useLocalDpi xmlns:a14="http://schemas.microsoft.com/office/drawing/2010/main" val="0"/>
+              </a:ext>
+            </a:extLst>
+          </a:blip>
+          <a:stretch>
+            <a:fillRect/>
+          </a:stretch>
+        </p:blipFill>
+        <p:spPr bwMode="auto">
+          <a:xfrm>
+            <a:off x="9254442" y="3185319"/>
+            <a:ext cx="1462088" cy="487362"/>
+          </a:xfrm>
+          <a:prstGeom prst="rect">
+            <a:avLst/>
+          </a:prstGeom>
+          <a:noFill/>
+          <a:extLst>
+            <a:ext uri="{909E8E84-426E-40DD-AFC4-6F175D3DCCD1}">
+              <a14:hiddenFill xmlns:a14="http://schemas.microsoft.com/office/drawing/2010/main">
+                <a:solidFill>
+                  <a:srgbClr val="FFFFFF"/>
+                </a:solidFill>
+              </a14:hiddenFill>
+            </a:ext>
+          </a:extLst>
+        </p:spPr>
+      </p:pic>
     </p:spTree>
     <p:extLst>
       <p:ext uri="{BB962C8B-B14F-4D97-AF65-F5344CB8AC3E}">
@@ -8109,7 +9195,7 @@
 </p:sld>
 </file>
 
-<file path=ppt/slides/slide7.xml><?xml version="1.0" encoding="utf-8"?>
+<file path=ppt/slides/slide9.xml><?xml version="1.0" encoding="utf-8"?>
 <p:sld xmlns:a="http://schemas.openxmlformats.org/drawingml/2006/main" xmlns:r="http://schemas.openxmlformats.org/officeDocument/2006/relationships" xmlns:p="http://schemas.openxmlformats.org/presentationml/2006/main">
   <p:cSld>
     <p:spTree>
@@ -8292,7 +9378,7 @@
         </p:nvSpPr>
         <p:spPr>
           <a:xfrm>
-            <a:off x="6190208" y="3614140"/>
+            <a:off x="6298228" y="4267186"/>
             <a:ext cx="4635500" cy="369332"/>
           </a:xfrm>
           <a:prstGeom prst="rect">
@@ -8328,7 +9414,7 @@
         </p:nvSpPr>
         <p:spPr>
           <a:xfrm>
-            <a:off x="6569653" y="2320531"/>
+            <a:off x="6523189" y="2871920"/>
             <a:ext cx="4501849" cy="923330"/>
           </a:xfrm>
           <a:prstGeom prst="rect">
@@ -8349,158 +9435,69 @@
           </a:p>
         </p:txBody>
       </p:sp>
+      <p:sp>
+        <p:nvSpPr>
+          <p:cNvPr id="9" name="Title 1">
+            <a:extLst>
+              <a:ext uri="{FF2B5EF4-FFF2-40B4-BE49-F238E27FC236}">
+                <a16:creationId xmlns:a16="http://schemas.microsoft.com/office/drawing/2014/main" id="{B08ED684-E2C3-47BF-B26A-5B9600F73B89}"/>
+              </a:ext>
+            </a:extLst>
+          </p:cNvPr>
+          <p:cNvSpPr txBox="1">
+            <a:spLocks/>
+          </p:cNvSpPr>
+          <p:nvPr/>
+        </p:nvSpPr>
+        <p:spPr>
+          <a:xfrm>
+            <a:off x="5285972" y="433541"/>
+            <a:ext cx="7474172" cy="1325563"/>
+          </a:xfrm>
+          <a:prstGeom prst="rect">
+            <a:avLst/>
+          </a:prstGeom>
+        </p:spPr>
+        <p:txBody>
+          <a:bodyPr>
+            <a:normAutofit/>
+          </a:bodyPr>
+          <a:lstStyle>
+            <a:lvl1pPr algn="l" defTabSz="914400" rtl="0" eaLnBrk="1" latinLnBrk="0" hangingPunct="1">
+              <a:lnSpc>
+                <a:spcPct val="90000"/>
+              </a:lnSpc>
+              <a:spcBef>
+                <a:spcPct val="0"/>
+              </a:spcBef>
+              <a:buNone/>
+              <a:defRPr sz="4400" kern="1200">
+                <a:solidFill>
+                  <a:schemeClr val="tx1"/>
+                </a:solidFill>
+                <a:latin typeface="+mj-lt"/>
+                <a:ea typeface="+mj-ea"/>
+                <a:cs typeface="+mj-cs"/>
+              </a:defRPr>
+            </a:lvl1pPr>
+          </a:lstStyle>
+          <a:p>
+            <a:r>
+              <a:rPr lang="en-GB" dirty="0"/>
+              <a:t>What is cypress </a:t>
+            </a:r>
+            <a:r>
+              <a:rPr lang="en-GB" b="1" i="1" u="sng" dirty="0"/>
+              <a:t>not</a:t>
+            </a:r>
+            <a:endParaRPr lang="en-NL" b="1" i="1" u="sng" dirty="0"/>
+          </a:p>
+        </p:txBody>
+      </p:sp>
     </p:spTree>
     <p:extLst>
       <p:ext uri="{BB962C8B-B14F-4D97-AF65-F5344CB8AC3E}">
         <p14:creationId xmlns:p14="http://schemas.microsoft.com/office/powerpoint/2010/main" val="4211841246"/>
-      </p:ext>
-    </p:extLst>
-  </p:cSld>
-  <p:clrMapOvr>
-    <a:masterClrMapping/>
-  </p:clrMapOvr>
-</p:sld>
-</file>
-
-<file path=ppt/slides/slide8.xml><?xml version="1.0" encoding="utf-8"?>
-<p:sld xmlns:a="http://schemas.openxmlformats.org/drawingml/2006/main" xmlns:r="http://schemas.openxmlformats.org/officeDocument/2006/relationships" xmlns:p="http://schemas.openxmlformats.org/presentationml/2006/main">
-  <p:cSld>
-    <p:spTree>
-      <p:nvGrpSpPr>
-        <p:cNvPr id="1" name=""/>
-        <p:cNvGrpSpPr/>
-        <p:nvPr/>
-      </p:nvGrpSpPr>
-      <p:grpSpPr>
-        <a:xfrm>
-          <a:off x="0" y="0"/>
-          <a:ext cx="0" cy="0"/>
-          <a:chOff x="0" y="0"/>
-          <a:chExt cx="0" cy="0"/>
-        </a:xfrm>
-      </p:grpSpPr>
-      <p:pic>
-        <p:nvPicPr>
-          <p:cNvPr id="4" name="Picture 3">
-            <a:extLst>
-              <a:ext uri="{FF2B5EF4-FFF2-40B4-BE49-F238E27FC236}">
-                <a16:creationId xmlns:a16="http://schemas.microsoft.com/office/drawing/2014/main" id="{F70D88B0-9FB9-4082-8CE8-A1A7D99C2D48}"/>
-              </a:ext>
-            </a:extLst>
-          </p:cNvPr>
-          <p:cNvPicPr>
-            <a:picLocks noChangeAspect="1"/>
-          </p:cNvPicPr>
-          <p:nvPr/>
-        </p:nvPicPr>
-        <p:blipFill>
-          <a:blip r:embed="rId2"/>
-          <a:stretch>
-            <a:fillRect/>
-          </a:stretch>
-        </p:blipFill>
-        <p:spPr>
-          <a:xfrm>
-            <a:off x="-11607" y="214604"/>
-            <a:ext cx="12203607" cy="6214188"/>
-          </a:xfrm>
-          <a:prstGeom prst="rect">
-            <a:avLst/>
-          </a:prstGeom>
-        </p:spPr>
-      </p:pic>
-    </p:spTree>
-    <p:extLst>
-      <p:ext uri="{BB962C8B-B14F-4D97-AF65-F5344CB8AC3E}">
-        <p14:creationId xmlns:p14="http://schemas.microsoft.com/office/powerpoint/2010/main" val="384399208"/>
-      </p:ext>
-    </p:extLst>
-  </p:cSld>
-  <p:clrMapOvr>
-    <a:masterClrMapping/>
-  </p:clrMapOvr>
-</p:sld>
-</file>
-
-<file path=ppt/slides/slide9.xml><?xml version="1.0" encoding="utf-8"?>
-<p:sld xmlns:a="http://schemas.openxmlformats.org/drawingml/2006/main" xmlns:r="http://schemas.openxmlformats.org/officeDocument/2006/relationships" xmlns:p="http://schemas.openxmlformats.org/presentationml/2006/main">
-  <p:cSld>
-    <p:spTree>
-      <p:nvGrpSpPr>
-        <p:cNvPr id="1" name=""/>
-        <p:cNvGrpSpPr/>
-        <p:nvPr/>
-      </p:nvGrpSpPr>
-      <p:grpSpPr>
-        <a:xfrm>
-          <a:off x="0" y="0"/>
-          <a:ext cx="0" cy="0"/>
-          <a:chOff x="0" y="0"/>
-          <a:chExt cx="0" cy="0"/>
-        </a:xfrm>
-      </p:grpSpPr>
-      <p:sp>
-        <p:nvSpPr>
-          <p:cNvPr id="2" name="Title 1">
-            <a:extLst>
-              <a:ext uri="{FF2B5EF4-FFF2-40B4-BE49-F238E27FC236}">
-                <a16:creationId xmlns:a16="http://schemas.microsoft.com/office/drawing/2014/main" id="{409B0013-90D7-48C6-9D73-5A4CECCBFD8C}"/>
-              </a:ext>
-            </a:extLst>
-          </p:cNvPr>
-          <p:cNvSpPr>
-            <a:spLocks noGrp="1"/>
-          </p:cNvSpPr>
-          <p:nvPr>
-            <p:ph type="title"/>
-          </p:nvPr>
-        </p:nvSpPr>
-        <p:spPr/>
-        <p:txBody>
-          <a:bodyPr/>
-          <a:lstStyle/>
-          <a:p>
-            <a:r>
-              <a:rPr lang="en-GB" dirty="0"/>
-              <a:t>Case Study – Simple Website</a:t>
-            </a:r>
-            <a:endParaRPr lang="en-NL" dirty="0"/>
-          </a:p>
-        </p:txBody>
-      </p:sp>
-      <p:pic>
-        <p:nvPicPr>
-          <p:cNvPr id="4" name="Picture 3">
-            <a:extLst>
-              <a:ext uri="{FF2B5EF4-FFF2-40B4-BE49-F238E27FC236}">
-                <a16:creationId xmlns:a16="http://schemas.microsoft.com/office/drawing/2014/main" id="{DDE4F618-1E2D-4772-8703-876604BC1AD6}"/>
-              </a:ext>
-            </a:extLst>
-          </p:cNvPr>
-          <p:cNvPicPr>
-            <a:picLocks noChangeAspect="1"/>
-          </p:cNvPicPr>
-          <p:nvPr/>
-        </p:nvPicPr>
-        <p:blipFill rotWithShape="1">
-          <a:blip r:embed="rId2"/>
-          <a:srcRect b="24689"/>
-          <a:stretch/>
-        </p:blipFill>
-        <p:spPr>
-          <a:xfrm>
-            <a:off x="1081481" y="1596668"/>
-            <a:ext cx="9766998" cy="5164858"/>
-          </a:xfrm>
-          <a:prstGeom prst="rect">
-            <a:avLst/>
-          </a:prstGeom>
-        </p:spPr>
-      </p:pic>
-    </p:spTree>
-    <p:extLst>
-      <p:ext uri="{BB962C8B-B14F-4D97-AF65-F5344CB8AC3E}">
-        <p14:creationId xmlns:p14="http://schemas.microsoft.com/office/powerpoint/2010/main" val="2742094609"/>
       </p:ext>
     </p:extLst>
   </p:cSld>
